--- a/documentatie/prezentare_v2.pptx
+++ b/documentatie/prezentare_v2.pptx
@@ -6,9 +6,14 @@
   </p:sldMasterIdLst>
   <p:sldIdLst>
     <p:sldId id="256" r:id="rId2"/>
-    <p:sldId id="257" r:id="rId3"/>
-    <p:sldId id="258" r:id="rId4"/>
-    <p:sldId id="259" r:id="rId5"/>
+    <p:sldId id="267" r:id="rId3"/>
+    <p:sldId id="266" r:id="rId4"/>
+    <p:sldId id="268" r:id="rId5"/>
+    <p:sldId id="274" r:id="rId6"/>
+    <p:sldId id="269" r:id="rId7"/>
+    <p:sldId id="273" r:id="rId8"/>
+    <p:sldId id="270" r:id="rId9"/>
+    <p:sldId id="276" r:id="rId10"/>
   </p:sldIdLst>
   <p:sldSz cx="9144000" cy="6858000" type="screen4x3"/>
   <p:notesSz cx="6858000" cy="9144000"/>
@@ -255,7 +260,7 @@
           <a:p>
             <a:fld id="{842CD987-D5F0-423A-B571-656612AAA3E1}" type="datetimeFigureOut">
               <a:rPr lang="en-US" smtClean="0"/>
-              <a:t>18-Jun-18</a:t>
+              <a:t>27-Jun-18</a:t>
             </a:fld>
             <a:endParaRPr lang="en-US"/>
           </a:p>
@@ -418,7 +423,7 @@
           <a:p>
             <a:fld id="{842CD987-D5F0-423A-B571-656612AAA3E1}" type="datetimeFigureOut">
               <a:rPr lang="en-US" smtClean="0"/>
-              <a:t>18-Jun-18</a:t>
+              <a:t>27-Jun-18</a:t>
             </a:fld>
             <a:endParaRPr lang="en-US"/>
           </a:p>
@@ -591,7 +596,7 @@
           <a:p>
             <a:fld id="{842CD987-D5F0-423A-B571-656612AAA3E1}" type="datetimeFigureOut">
               <a:rPr lang="en-US" smtClean="0"/>
-              <a:t>18-Jun-18</a:t>
+              <a:t>27-Jun-18</a:t>
             </a:fld>
             <a:endParaRPr lang="en-US"/>
           </a:p>
@@ -754,7 +759,7 @@
           <a:p>
             <a:fld id="{842CD987-D5F0-423A-B571-656612AAA3E1}" type="datetimeFigureOut">
               <a:rPr lang="en-US" smtClean="0"/>
-              <a:t>18-Jun-18</a:t>
+              <a:t>27-Jun-18</a:t>
             </a:fld>
             <a:endParaRPr lang="en-US"/>
           </a:p>
@@ -994,7 +999,7 @@
           <a:p>
             <a:fld id="{842CD987-D5F0-423A-B571-656612AAA3E1}" type="datetimeFigureOut">
               <a:rPr lang="en-US" smtClean="0"/>
-              <a:t>18-Jun-18</a:t>
+              <a:t>27-Jun-18</a:t>
             </a:fld>
             <a:endParaRPr lang="en-US"/>
           </a:p>
@@ -1218,7 +1223,7 @@
           <a:p>
             <a:fld id="{842CD987-D5F0-423A-B571-656612AAA3E1}" type="datetimeFigureOut">
               <a:rPr lang="en-US" smtClean="0"/>
-              <a:t>18-Jun-18</a:t>
+              <a:t>27-Jun-18</a:t>
             </a:fld>
             <a:endParaRPr lang="en-US"/>
           </a:p>
@@ -1577,7 +1582,7 @@
           <a:p>
             <a:fld id="{842CD987-D5F0-423A-B571-656612AAA3E1}" type="datetimeFigureOut">
               <a:rPr lang="en-US" smtClean="0"/>
-              <a:t>18-Jun-18</a:t>
+              <a:t>27-Jun-18</a:t>
             </a:fld>
             <a:endParaRPr lang="en-US"/>
           </a:p>
@@ -1689,7 +1694,7 @@
           <a:p>
             <a:fld id="{842CD987-D5F0-423A-B571-656612AAA3E1}" type="datetimeFigureOut">
               <a:rPr lang="en-US" smtClean="0"/>
-              <a:t>18-Jun-18</a:t>
+              <a:t>27-Jun-18</a:t>
             </a:fld>
             <a:endParaRPr lang="en-US"/>
           </a:p>
@@ -1779,7 +1784,7 @@
           <a:p>
             <a:fld id="{842CD987-D5F0-423A-B571-656612AAA3E1}" type="datetimeFigureOut">
               <a:rPr lang="en-US" smtClean="0"/>
-              <a:t>18-Jun-18</a:t>
+              <a:t>27-Jun-18</a:t>
             </a:fld>
             <a:endParaRPr lang="en-US"/>
           </a:p>
@@ -2049,7 +2054,7 @@
           <a:p>
             <a:fld id="{842CD987-D5F0-423A-B571-656612AAA3E1}" type="datetimeFigureOut">
               <a:rPr lang="en-US" smtClean="0"/>
-              <a:t>18-Jun-18</a:t>
+              <a:t>27-Jun-18</a:t>
             </a:fld>
             <a:endParaRPr lang="en-US"/>
           </a:p>
@@ -2296,7 +2301,7 @@
           <a:p>
             <a:fld id="{842CD987-D5F0-423A-B571-656612AAA3E1}" type="datetimeFigureOut">
               <a:rPr lang="en-US" smtClean="0"/>
-              <a:t>18-Jun-18</a:t>
+              <a:t>27-Jun-18</a:t>
             </a:fld>
             <a:endParaRPr lang="en-US"/>
           </a:p>
@@ -2507,7 +2512,7 @@
           <a:p>
             <a:fld id="{842CD987-D5F0-423A-B571-656612AAA3E1}" type="datetimeFigureOut">
               <a:rPr lang="en-US" smtClean="0"/>
-              <a:t>18-Jun-18</a:t>
+              <a:t>27-Jun-18</a:t>
             </a:fld>
             <a:endParaRPr lang="en-US"/>
           </a:p>
@@ -3807,18 +3812,40 @@
             <a:bodyPr rtlCol="0" anchor="ctr"/>
             <a:lstStyle/>
             <a:p>
-              <a:pPr algn="ctr"/>
-              <a:endParaRPr lang="en-US">
+              <a:pPr marL="0" marR="0" lvl="0" indent="0" algn="ctr" defTabSz="914400" rtl="0" eaLnBrk="1" fontAlgn="auto" latinLnBrk="0" hangingPunct="1">
+                <a:lnSpc>
+                  <a:spcPct val="100000"/>
+                </a:lnSpc>
+                <a:spcBef>
+                  <a:spcPts val="0"/>
+                </a:spcBef>
+                <a:spcAft>
+                  <a:spcPts val="0"/>
+                </a:spcAft>
+                <a:buClrTx/>
+                <a:buSzTx/>
+                <a:buFontTx/>
+                <a:buNone/>
+                <a:tabLst/>
+                <a:defRPr/>
+              </a:pPr>
+              <a:endParaRPr kumimoji="0" lang="en-US" sz="1800" b="0" i="0" u="none" strike="noStrike" kern="1200" cap="none" spc="0" normalizeH="0" baseline="0" noProof="0">
                 <a:ln>
                   <a:solidFill>
-                    <a:schemeClr val="bg2">
+                    <a:srgbClr val="E7E6E6">
                       <a:lumMod val="75000"/>
-                    </a:schemeClr>
+                    </a:srgbClr>
                   </a:solidFill>
                 </a:ln>
                 <a:solidFill>
-                  <a:schemeClr val="tx1"/>
+                  <a:prstClr val="black"/>
                 </a:solidFill>
+                <a:effectLst/>
+                <a:uLnTx/>
+                <a:uFillTx/>
+                <a:latin typeface="Calibri" panose="020F0502020204030204"/>
+                <a:ea typeface="+mn-ea"/>
+                <a:cs typeface="+mn-cs"/>
               </a:endParaRPr>
             </a:p>
           </p:txBody>
@@ -3864,724 +3891,45 @@
             <a:bodyPr rtlCol="0" anchor="ctr"/>
             <a:lstStyle/>
             <a:p>
-              <a:pPr algn="ctr"/>
-              <a:endParaRPr lang="en-US">
+              <a:pPr marL="0" marR="0" lvl="0" indent="0" algn="ctr" defTabSz="914400" rtl="0" eaLnBrk="1" fontAlgn="auto" latinLnBrk="0" hangingPunct="1">
+                <a:lnSpc>
+                  <a:spcPct val="100000"/>
+                </a:lnSpc>
+                <a:spcBef>
+                  <a:spcPts val="0"/>
+                </a:spcBef>
+                <a:spcAft>
+                  <a:spcPts val="0"/>
+                </a:spcAft>
+                <a:buClrTx/>
+                <a:buSzTx/>
+                <a:buFontTx/>
+                <a:buNone/>
+                <a:tabLst/>
+                <a:defRPr/>
+              </a:pPr>
+              <a:endParaRPr kumimoji="0" lang="en-US" sz="1800" b="0" i="0" u="none" strike="noStrike" kern="1200" cap="none" spc="0" normalizeH="0" baseline="0" noProof="0">
                 <a:ln>
                   <a:solidFill>
-                    <a:schemeClr val="bg2">
+                    <a:srgbClr val="E7E6E6">
                       <a:lumMod val="75000"/>
-                    </a:schemeClr>
+                    </a:srgbClr>
                   </a:solidFill>
                 </a:ln>
                 <a:solidFill>
-                  <a:schemeClr val="tx1"/>
+                  <a:prstClr val="black"/>
                 </a:solidFill>
+                <a:effectLst/>
+                <a:uLnTx/>
+                <a:uFillTx/>
+                <a:latin typeface="Calibri" panose="020F0502020204030204"/>
+                <a:ea typeface="+mn-ea"/>
+                <a:cs typeface="+mn-cs"/>
               </a:endParaRPr>
             </a:p>
           </p:txBody>
         </p:sp>
       </p:grpSp>
-      <p:sp>
-        <p:nvSpPr>
-          <p:cNvPr id="7" name="TextBox 6"/>
-          <p:cNvSpPr txBox="1"/>
-          <p:nvPr/>
-        </p:nvSpPr>
-        <p:spPr>
-          <a:xfrm>
-            <a:off x="611560" y="1268760"/>
-            <a:ext cx="8064872" cy="4401205"/>
-          </a:xfrm>
-          <a:prstGeom prst="rect">
-            <a:avLst/>
-          </a:prstGeom>
-          <a:noFill/>
-        </p:spPr>
-        <p:txBody>
-          <a:bodyPr wrap="square" rtlCol="0">
-            <a:spAutoFit/>
-          </a:bodyPr>
-          <a:lstStyle/>
-          <a:p>
-            <a:pPr marL="342900" indent="-342900" algn="just">
-              <a:buBlip>
-                <a:blip r:embed="rId2"/>
-              </a:buBlip>
-            </a:pPr>
-            <a:r>
-              <a:rPr lang="en-US" sz="2000" dirty="0">
-                <a:latin typeface="UT Sans" pitchFamily="50" charset="0"/>
-              </a:rPr>
-              <a:t>Lorem ipsum dolor sit </a:t>
-            </a:r>
-            <a:r>
-              <a:rPr lang="en-US" sz="2000" dirty="0" err="1">
-                <a:latin typeface="UT Sans" pitchFamily="50" charset="0"/>
-              </a:rPr>
-              <a:t>amet</a:t>
-            </a:r>
-            <a:r>
-              <a:rPr lang="en-US" sz="2000" dirty="0">
-                <a:latin typeface="UT Sans" pitchFamily="50" charset="0"/>
-              </a:rPr>
-              <a:t>, </a:t>
-            </a:r>
-            <a:r>
-              <a:rPr lang="en-US" sz="2000" dirty="0" err="1">
-                <a:latin typeface="UT Sans" pitchFamily="50" charset="0"/>
-              </a:rPr>
-              <a:t>consectetur</a:t>
-            </a:r>
-            <a:r>
-              <a:rPr lang="en-US" sz="2000" dirty="0">
-                <a:latin typeface="UT Sans" pitchFamily="50" charset="0"/>
-              </a:rPr>
-              <a:t> </a:t>
-            </a:r>
-            <a:r>
-              <a:rPr lang="en-US" sz="2000" dirty="0" err="1">
-                <a:latin typeface="UT Sans" pitchFamily="50" charset="0"/>
-              </a:rPr>
-              <a:t>adipiscing</a:t>
-            </a:r>
-            <a:r>
-              <a:rPr lang="en-US" sz="2000" dirty="0">
-                <a:latin typeface="UT Sans" pitchFamily="50" charset="0"/>
-              </a:rPr>
-              <a:t> </a:t>
-            </a:r>
-            <a:r>
-              <a:rPr lang="en-US" sz="2000" dirty="0" err="1">
-                <a:latin typeface="UT Sans" pitchFamily="50" charset="0"/>
-              </a:rPr>
-              <a:t>elit</a:t>
-            </a:r>
-            <a:r>
-              <a:rPr lang="en-US" sz="2000" dirty="0">
-                <a:latin typeface="UT Sans" pitchFamily="50" charset="0"/>
-              </a:rPr>
-              <a:t>. </a:t>
-            </a:r>
-            <a:r>
-              <a:rPr lang="en-US" sz="2000" dirty="0" err="1">
-                <a:latin typeface="UT Sans" pitchFamily="50" charset="0"/>
-              </a:rPr>
-              <a:t>Nulla</a:t>
-            </a:r>
-            <a:r>
-              <a:rPr lang="en-US" sz="2000" dirty="0">
-                <a:latin typeface="UT Sans" pitchFamily="50" charset="0"/>
-              </a:rPr>
-              <a:t> </a:t>
-            </a:r>
-            <a:r>
-              <a:rPr lang="en-US" sz="2000" dirty="0" err="1">
-                <a:latin typeface="UT Sans" pitchFamily="50" charset="0"/>
-              </a:rPr>
-              <a:t>massa</a:t>
-            </a:r>
-            <a:r>
-              <a:rPr lang="en-US" sz="2000" dirty="0">
-                <a:latin typeface="UT Sans" pitchFamily="50" charset="0"/>
-              </a:rPr>
-              <a:t> </a:t>
-            </a:r>
-            <a:r>
-              <a:rPr lang="en-US" sz="2000" dirty="0" err="1">
-                <a:latin typeface="UT Sans" pitchFamily="50" charset="0"/>
-              </a:rPr>
-              <a:t>nulla</a:t>
-            </a:r>
-            <a:r>
-              <a:rPr lang="en-US" sz="2000" dirty="0">
-                <a:latin typeface="UT Sans" pitchFamily="50" charset="0"/>
-              </a:rPr>
-              <a:t> Lorem ipsum dolor </a:t>
-            </a:r>
-          </a:p>
-          <a:p>
-            <a:pPr marL="800100" lvl="1" indent="-342900" algn="just">
-              <a:buFont typeface=".AppleSystemUIFont" charset="-120"/>
-              <a:buChar char="-"/>
-            </a:pPr>
-            <a:r>
-              <a:rPr lang="en-US" sz="2000" dirty="0">
-                <a:latin typeface="UT Sans" pitchFamily="50" charset="0"/>
-              </a:rPr>
-              <a:t>Lorem ipsum dolor </a:t>
-            </a:r>
-          </a:p>
-          <a:p>
-            <a:pPr marL="1257300" lvl="2" indent="-342900" algn="just">
-              <a:buFont typeface="Wingdings" charset="2"/>
-              <a:buChar char="§"/>
-            </a:pPr>
-            <a:r>
-              <a:rPr lang="en-US" sz="2000" dirty="0">
-                <a:latin typeface="UT Sans" pitchFamily="50" charset="0"/>
-              </a:rPr>
-              <a:t>Lorem ipsum dolor</a:t>
-            </a:r>
-          </a:p>
-          <a:p>
-            <a:pPr algn="just"/>
-            <a:endParaRPr lang="ro-RO" sz="2000" dirty="0">
-              <a:latin typeface="UT Symbols" charset="0"/>
-              <a:ea typeface="UT Symbols" charset="0"/>
-              <a:cs typeface="UT Symbols" charset="0"/>
-            </a:endParaRPr>
-          </a:p>
-          <a:p>
-            <a:pPr marL="342900" indent="-342900" algn="just">
-              <a:buBlip>
-                <a:blip r:embed="rId2"/>
-              </a:buBlip>
-            </a:pPr>
-            <a:r>
-              <a:rPr lang="en-US" sz="2000" dirty="0">
-                <a:latin typeface="UT Sans" pitchFamily="50" charset="0"/>
-              </a:rPr>
-              <a:t>Nam </a:t>
-            </a:r>
-            <a:r>
-              <a:rPr lang="en-US" sz="2000" dirty="0" err="1">
-                <a:latin typeface="UT Sans" pitchFamily="50" charset="0"/>
-              </a:rPr>
-              <a:t>pellentesque</a:t>
-            </a:r>
-            <a:r>
-              <a:rPr lang="en-US" sz="2000" dirty="0">
-                <a:latin typeface="UT Sans" pitchFamily="50" charset="0"/>
-              </a:rPr>
-              <a:t>, </a:t>
-            </a:r>
-            <a:r>
-              <a:rPr lang="en-US" sz="2000" dirty="0" err="1">
-                <a:latin typeface="UT Sans" pitchFamily="50" charset="0"/>
-              </a:rPr>
-              <a:t>nulla</a:t>
-            </a:r>
-            <a:r>
-              <a:rPr lang="en-US" sz="2000" dirty="0">
-                <a:latin typeface="UT Sans" pitchFamily="50" charset="0"/>
-              </a:rPr>
-              <a:t> a </a:t>
-            </a:r>
-            <a:r>
-              <a:rPr lang="en-US" sz="2000" dirty="0" err="1">
-                <a:latin typeface="UT Sans" pitchFamily="50" charset="0"/>
-              </a:rPr>
-              <a:t>feugiat</a:t>
-            </a:r>
-            <a:r>
-              <a:rPr lang="en-US" sz="2000" dirty="0">
-                <a:latin typeface="UT Sans" pitchFamily="50" charset="0"/>
-              </a:rPr>
-              <a:t> </a:t>
-            </a:r>
-            <a:r>
-              <a:rPr lang="en-US" sz="2000" dirty="0" err="1">
-                <a:latin typeface="UT Sans" pitchFamily="50" charset="0"/>
-              </a:rPr>
-              <a:t>condimentum</a:t>
-            </a:r>
-            <a:r>
-              <a:rPr lang="en-US" sz="2000" dirty="0">
-                <a:latin typeface="UT Sans" pitchFamily="50" charset="0"/>
-              </a:rPr>
-              <a:t>, </a:t>
-            </a:r>
-            <a:r>
-              <a:rPr lang="en-US" sz="2000" dirty="0" err="1">
-                <a:latin typeface="UT Sans" pitchFamily="50" charset="0"/>
-              </a:rPr>
-              <a:t>erat</a:t>
-            </a:r>
-            <a:r>
-              <a:rPr lang="en-US" sz="2000" dirty="0">
-                <a:latin typeface="UT Sans" pitchFamily="50" charset="0"/>
-              </a:rPr>
-              <a:t> </a:t>
-            </a:r>
-            <a:r>
-              <a:rPr lang="en-US" sz="2000" dirty="0" err="1">
-                <a:latin typeface="UT Sans" pitchFamily="50" charset="0"/>
-              </a:rPr>
-              <a:t>lectus</a:t>
-            </a:r>
-            <a:r>
-              <a:rPr lang="en-US" sz="2000" dirty="0">
-                <a:latin typeface="UT Sans" pitchFamily="50" charset="0"/>
-              </a:rPr>
-              <a:t> </a:t>
-            </a:r>
-            <a:r>
-              <a:rPr lang="en-US" sz="2000" dirty="0" err="1">
-                <a:latin typeface="UT Sans" pitchFamily="50" charset="0"/>
-              </a:rPr>
-              <a:t>vulputate</a:t>
-            </a:r>
-            <a:r>
-              <a:rPr lang="en-US" sz="2000" dirty="0">
-                <a:latin typeface="UT Sans" pitchFamily="50" charset="0"/>
-              </a:rPr>
-              <a:t> magna, Lorem ipsum dolor ac </a:t>
-            </a:r>
-            <a:r>
-              <a:rPr lang="en-US" sz="2000" dirty="0" err="1">
-                <a:latin typeface="UT Sans" pitchFamily="50" charset="0"/>
-              </a:rPr>
-              <a:t>sollicitudin</a:t>
-            </a:r>
-            <a:r>
-              <a:rPr lang="en-US" sz="2000" dirty="0">
-                <a:latin typeface="UT Sans" pitchFamily="50" charset="0"/>
-              </a:rPr>
-              <a:t>. </a:t>
-            </a:r>
-            <a:r>
-              <a:rPr lang="en-US" sz="2000" dirty="0" err="1">
-                <a:latin typeface="UT Sans" pitchFamily="50" charset="0"/>
-              </a:rPr>
-              <a:t>Morbi</a:t>
-            </a:r>
-            <a:r>
-              <a:rPr lang="en-US" sz="2000" dirty="0">
-                <a:latin typeface="UT Sans" pitchFamily="50" charset="0"/>
-              </a:rPr>
-              <a:t> </a:t>
-            </a:r>
-            <a:r>
-              <a:rPr lang="en-US" sz="2000" dirty="0" err="1">
-                <a:latin typeface="UT Sans" pitchFamily="50" charset="0"/>
-              </a:rPr>
-              <a:t>blandit</a:t>
-            </a:r>
-            <a:r>
-              <a:rPr lang="en-US" sz="2000" dirty="0">
-                <a:latin typeface="UT Sans" pitchFamily="50" charset="0"/>
-              </a:rPr>
-              <a:t> </a:t>
-            </a:r>
-            <a:r>
-              <a:rPr lang="en-US" sz="2000" dirty="0" err="1">
-                <a:latin typeface="UT Sans" pitchFamily="50" charset="0"/>
-              </a:rPr>
-              <a:t>posuere</a:t>
-            </a:r>
-            <a:r>
-              <a:rPr lang="en-US" sz="2000" dirty="0">
-                <a:latin typeface="UT Sans" pitchFamily="50" charset="0"/>
-              </a:rPr>
-              <a:t> </a:t>
-            </a:r>
-            <a:r>
-              <a:rPr lang="en-US" sz="2000" dirty="0" err="1">
-                <a:latin typeface="UT Sans" pitchFamily="50" charset="0"/>
-              </a:rPr>
-              <a:t>facilisis</a:t>
-            </a:r>
-            <a:r>
-              <a:rPr lang="en-US" sz="2000" dirty="0">
-                <a:latin typeface="UT Sans" pitchFamily="50" charset="0"/>
-              </a:rPr>
-              <a:t>.</a:t>
-            </a:r>
-            <a:endParaRPr lang="ro-RO" sz="2000" dirty="0">
-              <a:latin typeface="UT Sans" pitchFamily="50" charset="0"/>
-            </a:endParaRPr>
-          </a:p>
-          <a:p>
-            <a:pPr marL="342900" indent="-342900" algn="just">
-              <a:buBlip>
-                <a:blip r:embed="rId2"/>
-              </a:buBlip>
-            </a:pPr>
-            <a:endParaRPr lang="ro-RO" sz="2000" dirty="0">
-              <a:latin typeface="UT Sans" pitchFamily="50" charset="0"/>
-            </a:endParaRPr>
-          </a:p>
-          <a:p>
-            <a:pPr marL="342900" indent="-342900" algn="just">
-              <a:buBlip>
-                <a:blip r:embed="rId2"/>
-              </a:buBlip>
-            </a:pPr>
-            <a:r>
-              <a:rPr lang="en-US" sz="2000" dirty="0" err="1">
-                <a:latin typeface="UT Sans" pitchFamily="50" charset="0"/>
-              </a:rPr>
-              <a:t>Cras</a:t>
-            </a:r>
-            <a:r>
-              <a:rPr lang="en-US" sz="2000" dirty="0">
-                <a:latin typeface="UT Sans" pitchFamily="50" charset="0"/>
-              </a:rPr>
-              <a:t> dictum dui a </a:t>
-            </a:r>
-            <a:r>
-              <a:rPr lang="en-US" sz="2000" dirty="0" err="1">
-                <a:latin typeface="UT Sans" pitchFamily="50" charset="0"/>
-              </a:rPr>
-              <a:t>consectetur</a:t>
-            </a:r>
-            <a:r>
-              <a:rPr lang="en-US" sz="2000" dirty="0">
-                <a:latin typeface="UT Sans" pitchFamily="50" charset="0"/>
-              </a:rPr>
-              <a:t> </a:t>
-            </a:r>
-            <a:r>
-              <a:rPr lang="en-US" sz="2000" dirty="0" err="1">
-                <a:latin typeface="UT Sans" pitchFamily="50" charset="0"/>
-              </a:rPr>
-              <a:t>sodales</a:t>
-            </a:r>
-            <a:r>
-              <a:rPr lang="en-US" sz="2000" dirty="0">
-                <a:latin typeface="UT Sans" pitchFamily="50" charset="0"/>
-              </a:rPr>
-              <a:t>. </a:t>
-            </a:r>
-            <a:r>
-              <a:rPr lang="en-US" sz="2000" dirty="0" err="1">
-                <a:latin typeface="UT Sans" pitchFamily="50" charset="0"/>
-              </a:rPr>
-              <a:t>Curabitur</a:t>
-            </a:r>
-            <a:r>
-              <a:rPr lang="en-US" sz="2000" dirty="0">
-                <a:latin typeface="UT Sans" pitchFamily="50" charset="0"/>
-              </a:rPr>
-              <a:t> </a:t>
-            </a:r>
-            <a:r>
-              <a:rPr lang="en-US" sz="2000" dirty="0" err="1">
-                <a:latin typeface="UT Sans" pitchFamily="50" charset="0"/>
-              </a:rPr>
-              <a:t>feugiat</a:t>
-            </a:r>
-            <a:r>
-              <a:rPr lang="en-US" sz="2000" dirty="0">
-                <a:latin typeface="UT Sans" pitchFamily="50" charset="0"/>
-              </a:rPr>
-              <a:t> </a:t>
-            </a:r>
-            <a:r>
-              <a:rPr lang="en-US" sz="2000" dirty="0" err="1">
-                <a:latin typeface="UT Sans" pitchFamily="50" charset="0"/>
-              </a:rPr>
-              <a:t>nulla</a:t>
-            </a:r>
-            <a:r>
-              <a:rPr lang="en-US" sz="2000" dirty="0">
-                <a:latin typeface="UT Sans" pitchFamily="50" charset="0"/>
-              </a:rPr>
-              <a:t> at </a:t>
-            </a:r>
-            <a:r>
-              <a:rPr lang="en-US" sz="2000" dirty="0" err="1">
-                <a:latin typeface="UT Sans" pitchFamily="50" charset="0"/>
-              </a:rPr>
-              <a:t>bibendum</a:t>
-            </a:r>
-            <a:r>
-              <a:rPr lang="en-US" sz="2000" dirty="0">
-                <a:latin typeface="UT Sans" pitchFamily="50" charset="0"/>
-              </a:rPr>
-              <a:t> </a:t>
-            </a:r>
-            <a:r>
-              <a:rPr lang="en-US" sz="2000" dirty="0" err="1">
-                <a:latin typeface="UT Sans" pitchFamily="50" charset="0"/>
-              </a:rPr>
-              <a:t>consequat</a:t>
-            </a:r>
-            <a:r>
-              <a:rPr lang="en-US" sz="2000" dirty="0">
-                <a:latin typeface="UT Sans" pitchFamily="50" charset="0"/>
-              </a:rPr>
-              <a:t>. </a:t>
-            </a:r>
-            <a:r>
-              <a:rPr lang="en-US" sz="2000" dirty="0" err="1">
-                <a:latin typeface="UT Sans" pitchFamily="50" charset="0"/>
-              </a:rPr>
-              <a:t>Proin</a:t>
-            </a:r>
-            <a:r>
-              <a:rPr lang="en-US" sz="2000" dirty="0">
-                <a:latin typeface="UT Sans" pitchFamily="50" charset="0"/>
-              </a:rPr>
-              <a:t> </a:t>
-            </a:r>
-            <a:r>
-              <a:rPr lang="en-US" sz="2000" dirty="0" err="1">
-                <a:latin typeface="UT Sans" pitchFamily="50" charset="0"/>
-              </a:rPr>
-              <a:t>egestas</a:t>
-            </a:r>
-            <a:r>
-              <a:rPr lang="en-US" sz="2000" dirty="0">
-                <a:latin typeface="UT Sans" pitchFamily="50" charset="0"/>
-              </a:rPr>
-              <a:t> </a:t>
-            </a:r>
-            <a:r>
-              <a:rPr lang="en-US" sz="2000" dirty="0" err="1">
-                <a:latin typeface="UT Sans" pitchFamily="50" charset="0"/>
-              </a:rPr>
-              <a:t>est</a:t>
-            </a:r>
-            <a:r>
-              <a:rPr lang="en-US" sz="2000" dirty="0">
-                <a:latin typeface="UT Sans" pitchFamily="50" charset="0"/>
-              </a:rPr>
-              <a:t> a </a:t>
-            </a:r>
-            <a:r>
-              <a:rPr lang="en-US" sz="2000" dirty="0" err="1">
-                <a:latin typeface="UT Sans" pitchFamily="50" charset="0"/>
-              </a:rPr>
-              <a:t>tellus</a:t>
-            </a:r>
-            <a:r>
-              <a:rPr lang="en-US" sz="2000" dirty="0">
-                <a:latin typeface="UT Sans" pitchFamily="50" charset="0"/>
-              </a:rPr>
-              <a:t> </a:t>
-            </a:r>
-            <a:r>
-              <a:rPr lang="en-US" sz="2000" dirty="0" err="1">
-                <a:latin typeface="UT Sans" pitchFamily="50" charset="0"/>
-              </a:rPr>
-              <a:t>tincidunt</a:t>
-            </a:r>
-            <a:r>
-              <a:rPr lang="en-US" sz="2000" dirty="0">
-                <a:latin typeface="UT Sans" pitchFamily="50" charset="0"/>
-              </a:rPr>
-              <a:t>, </a:t>
-            </a:r>
-            <a:r>
-              <a:rPr lang="en-US" sz="2000" dirty="0" err="1">
-                <a:latin typeface="UT Sans" pitchFamily="50" charset="0"/>
-              </a:rPr>
-              <a:t>sed</a:t>
-            </a:r>
-            <a:r>
-              <a:rPr lang="en-US" sz="2000" dirty="0">
-                <a:latin typeface="UT Sans" pitchFamily="50" charset="0"/>
-              </a:rPr>
-              <a:t> </a:t>
-            </a:r>
-            <a:r>
-              <a:rPr lang="en-US" sz="2000" dirty="0" err="1">
-                <a:latin typeface="UT Sans" pitchFamily="50" charset="0"/>
-              </a:rPr>
-              <a:t>tincidunt</a:t>
-            </a:r>
-            <a:r>
-              <a:rPr lang="en-US" sz="2000" dirty="0">
-                <a:latin typeface="UT Sans" pitchFamily="50" charset="0"/>
-              </a:rPr>
-              <a:t> dolor </a:t>
-            </a:r>
-            <a:r>
-              <a:rPr lang="en-US" sz="2000" dirty="0" err="1">
-                <a:latin typeface="UT Sans" pitchFamily="50" charset="0"/>
-              </a:rPr>
-              <a:t>laoreet</a:t>
-            </a:r>
-            <a:r>
-              <a:rPr lang="en-US" sz="2000" dirty="0">
-                <a:latin typeface="UT Sans" pitchFamily="50" charset="0"/>
-              </a:rPr>
-              <a:t>. </a:t>
-            </a:r>
-            <a:r>
-              <a:rPr lang="en-US" sz="2000" dirty="0" err="1">
-                <a:latin typeface="UT Sans" pitchFamily="50" charset="0"/>
-              </a:rPr>
-              <a:t>Fusce</a:t>
-            </a:r>
-            <a:r>
-              <a:rPr lang="en-US" sz="2000" dirty="0">
-                <a:latin typeface="UT Sans" pitchFamily="50" charset="0"/>
-              </a:rPr>
-              <a:t> id </a:t>
-            </a:r>
-            <a:r>
-              <a:rPr lang="en-US" sz="2000" dirty="0" err="1">
-                <a:latin typeface="UT Sans" pitchFamily="50" charset="0"/>
-              </a:rPr>
-              <a:t>augue</a:t>
-            </a:r>
-            <a:r>
-              <a:rPr lang="en-US" sz="2000" dirty="0">
-                <a:latin typeface="UT Sans" pitchFamily="50" charset="0"/>
-              </a:rPr>
-              <a:t> </a:t>
-            </a:r>
-            <a:r>
-              <a:rPr lang="en-US" sz="2000" dirty="0" err="1">
-                <a:latin typeface="UT Sans" pitchFamily="50" charset="0"/>
-              </a:rPr>
-              <a:t>augue</a:t>
-            </a:r>
-            <a:r>
-              <a:rPr lang="en-US" sz="2000" dirty="0">
-                <a:latin typeface="UT Sans" pitchFamily="50" charset="0"/>
-              </a:rPr>
-              <a:t>. Maecenas </a:t>
-            </a:r>
-            <a:r>
-              <a:rPr lang="en-US" sz="2000" dirty="0" err="1">
-                <a:latin typeface="UT Sans" pitchFamily="50" charset="0"/>
-              </a:rPr>
-              <a:t>eget</a:t>
-            </a:r>
-            <a:r>
-              <a:rPr lang="en-US" sz="2000" dirty="0">
-                <a:latin typeface="UT Sans" pitchFamily="50" charset="0"/>
-              </a:rPr>
-              <a:t> </a:t>
-            </a:r>
-            <a:r>
-              <a:rPr lang="en-US" sz="2000" dirty="0" err="1">
-                <a:latin typeface="UT Sans" pitchFamily="50" charset="0"/>
-              </a:rPr>
-              <a:t>purus</a:t>
-            </a:r>
-            <a:r>
-              <a:rPr lang="en-US" sz="2000" dirty="0">
-                <a:latin typeface="UT Sans" pitchFamily="50" charset="0"/>
-              </a:rPr>
-              <a:t> </a:t>
-            </a:r>
-            <a:r>
-              <a:rPr lang="en-US" sz="2000" dirty="0" err="1">
-                <a:latin typeface="UT Sans" pitchFamily="50" charset="0"/>
-              </a:rPr>
-              <a:t>orci</a:t>
-            </a:r>
-            <a:r>
-              <a:rPr lang="en-US" sz="2000" dirty="0">
-                <a:latin typeface="UT Sans" pitchFamily="50" charset="0"/>
-              </a:rPr>
-              <a:t>. </a:t>
-            </a:r>
-            <a:r>
-              <a:rPr lang="en-US" sz="2000" dirty="0" err="1">
-                <a:latin typeface="UT Sans" pitchFamily="50" charset="0"/>
-              </a:rPr>
-              <a:t>Donec</a:t>
-            </a:r>
-            <a:r>
-              <a:rPr lang="en-US" sz="2000" dirty="0">
-                <a:latin typeface="UT Sans" pitchFamily="50" charset="0"/>
-              </a:rPr>
-              <a:t> tempus </a:t>
-            </a:r>
-            <a:r>
-              <a:rPr lang="en-US" sz="2000" dirty="0" err="1">
-                <a:latin typeface="UT Sans" pitchFamily="50" charset="0"/>
-              </a:rPr>
-              <a:t>aliquet</a:t>
-            </a:r>
-            <a:r>
-              <a:rPr lang="en-US" sz="2000" dirty="0">
-                <a:latin typeface="UT Sans" pitchFamily="50" charset="0"/>
-              </a:rPr>
-              <a:t> gravida. Nam </a:t>
-            </a:r>
-            <a:r>
-              <a:rPr lang="en-US" sz="2000" dirty="0" err="1">
-                <a:latin typeface="UT Sans" pitchFamily="50" charset="0"/>
-              </a:rPr>
-              <a:t>tortor</a:t>
-            </a:r>
-            <a:r>
-              <a:rPr lang="en-US" sz="2000" dirty="0">
-                <a:latin typeface="UT Sans" pitchFamily="50" charset="0"/>
-              </a:rPr>
-              <a:t> </a:t>
-            </a:r>
-            <a:r>
-              <a:rPr lang="en-US" sz="2000" dirty="0" err="1">
-                <a:latin typeface="UT Sans" pitchFamily="50" charset="0"/>
-              </a:rPr>
-              <a:t>elit</a:t>
-            </a:r>
-            <a:r>
-              <a:rPr lang="en-US" sz="2000" dirty="0">
-                <a:latin typeface="UT Sans" pitchFamily="50" charset="0"/>
-              </a:rPr>
-              <a:t>, </a:t>
-            </a:r>
-            <a:r>
-              <a:rPr lang="en-US" sz="2000" dirty="0" err="1">
-                <a:latin typeface="UT Sans" pitchFamily="50" charset="0"/>
-              </a:rPr>
-              <a:t>blandit</a:t>
-            </a:r>
-            <a:r>
-              <a:rPr lang="en-US" sz="2000" dirty="0">
-                <a:latin typeface="UT Sans" pitchFamily="50" charset="0"/>
-              </a:rPr>
-              <a:t> sit </a:t>
-            </a:r>
-            <a:r>
-              <a:rPr lang="en-US" sz="2000" dirty="0" err="1">
-                <a:latin typeface="UT Sans" pitchFamily="50" charset="0"/>
-              </a:rPr>
-              <a:t>amet</a:t>
-            </a:r>
-            <a:r>
-              <a:rPr lang="en-US" sz="2000" dirty="0">
-                <a:latin typeface="UT Sans" pitchFamily="50" charset="0"/>
-              </a:rPr>
-              <a:t> </a:t>
-            </a:r>
-            <a:r>
-              <a:rPr lang="en-US" sz="2000" dirty="0" err="1">
-                <a:latin typeface="UT Sans" pitchFamily="50" charset="0"/>
-              </a:rPr>
-              <a:t>viverra</a:t>
-            </a:r>
-            <a:r>
-              <a:rPr lang="en-US" sz="2000" dirty="0">
-                <a:latin typeface="UT Sans" pitchFamily="50" charset="0"/>
-              </a:rPr>
-              <a:t> a, </a:t>
-            </a:r>
-            <a:r>
-              <a:rPr lang="en-US" sz="2000" dirty="0" err="1">
-                <a:latin typeface="UT Sans" pitchFamily="50" charset="0"/>
-              </a:rPr>
-              <a:t>hendrerit</a:t>
-            </a:r>
-            <a:r>
-              <a:rPr lang="en-US" sz="2000" dirty="0">
-                <a:latin typeface="UT Sans" pitchFamily="50" charset="0"/>
-              </a:rPr>
-              <a:t> vitae </a:t>
-            </a:r>
-            <a:r>
-              <a:rPr lang="en-US" sz="2000" dirty="0" err="1">
-                <a:latin typeface="UT Sans" pitchFamily="50" charset="0"/>
-              </a:rPr>
-              <a:t>nibh</a:t>
-            </a:r>
-            <a:r>
-              <a:rPr lang="en-US" sz="2000" dirty="0">
-                <a:latin typeface="UT Sans" pitchFamily="50" charset="0"/>
-              </a:rPr>
-              <a:t>.</a:t>
-            </a:r>
-          </a:p>
-        </p:txBody>
-      </p:sp>
       <p:pic>
         <p:nvPicPr>
           <p:cNvPr id="8" name="Picture 7"/>
@@ -4591,7 +3939,7 @@
           <p:nvPr/>
         </p:nvPicPr>
         <p:blipFill>
-          <a:blip r:embed="rId3" cstate="print">
+          <a:blip r:embed="rId2" cstate="print">
             <a:extLst>
               <a:ext uri="{28A0092B-C50C-407E-A947-70E740481C1C}">
                 <a14:useLocalDpi xmlns:a14="http://schemas.microsoft.com/office/drawing/2010/main" val="0"/>
@@ -4604,7 +3952,7 @@
         </p:blipFill>
         <p:spPr>
           <a:xfrm>
-            <a:off x="359532" y="368660"/>
+            <a:off x="359532" y="377509"/>
             <a:ext cx="1188132" cy="459203"/>
           </a:xfrm>
           <a:prstGeom prst="rect">
@@ -4612,10 +3960,91 @@
           </a:prstGeom>
         </p:spPr>
       </p:pic>
+      <p:sp>
+        <p:nvSpPr>
+          <p:cNvPr id="9" name="Title 1">
+            <a:extLst>
+              <a:ext uri="{FF2B5EF4-FFF2-40B4-BE49-F238E27FC236}">
+                <a16:creationId xmlns:a16="http://schemas.microsoft.com/office/drawing/2014/main" id="{8377B4DA-5662-4000-8BC4-BF0974B1F20D}"/>
+              </a:ext>
+            </a:extLst>
+          </p:cNvPr>
+          <p:cNvSpPr>
+            <a:spLocks noGrp="1"/>
+          </p:cNvSpPr>
+          <p:nvPr>
+            <p:ph type="title"/>
+          </p:nvPr>
+        </p:nvSpPr>
+        <p:spPr>
+          <a:xfrm>
+            <a:off x="628650" y="365126"/>
+            <a:ext cx="7886700" cy="1325563"/>
+          </a:xfrm>
+        </p:spPr>
+        <p:txBody>
+          <a:bodyPr/>
+          <a:lstStyle/>
+          <a:p>
+            <a:pPr algn="ctr"/>
+            <a:r>
+              <a:rPr lang="en-US" b="1" dirty="0"/>
+              <a:t>Cocktail party problem</a:t>
+            </a:r>
+          </a:p>
+        </p:txBody>
+      </p:sp>
+      <p:pic>
+        <p:nvPicPr>
+          <p:cNvPr id="10" name="Picture 2" descr="Imagini pentru blind source separation">
+            <a:extLst>
+              <a:ext uri="{FF2B5EF4-FFF2-40B4-BE49-F238E27FC236}">
+                <a16:creationId xmlns:a16="http://schemas.microsoft.com/office/drawing/2014/main" id="{40ADCDF7-B003-41AD-AB74-11776FB20B29}"/>
+              </a:ext>
+            </a:extLst>
+          </p:cNvPr>
+          <p:cNvPicPr>
+            <a:picLocks noChangeAspect="1" noChangeArrowheads="1"/>
+          </p:cNvPicPr>
+          <p:nvPr/>
+        </p:nvPicPr>
+        <p:blipFill>
+          <a:blip r:embed="rId3">
+            <a:extLst>
+              <a:ext uri="{28A0092B-C50C-407E-A947-70E740481C1C}">
+                <a14:useLocalDpi xmlns:a14="http://schemas.microsoft.com/office/drawing/2010/main" val="0"/>
+              </a:ext>
+            </a:extLst>
+          </a:blip>
+          <a:srcRect/>
+          <a:stretch>
+            <a:fillRect/>
+          </a:stretch>
+        </p:blipFill>
+        <p:spPr bwMode="auto">
+          <a:xfrm>
+            <a:off x="224061" y="1988840"/>
+            <a:ext cx="8695878" cy="3490723"/>
+          </a:xfrm>
+          <a:prstGeom prst="rect">
+            <a:avLst/>
+          </a:prstGeom>
+          <a:noFill/>
+          <a:extLst>
+            <a:ext uri="{909E8E84-426E-40DD-AFC4-6F175D3DCCD1}">
+              <a14:hiddenFill xmlns:a14="http://schemas.microsoft.com/office/drawing/2010/main">
+                <a:solidFill>
+                  <a:srgbClr val="FFFFFF"/>
+                </a:solidFill>
+              </a14:hiddenFill>
+            </a:ext>
+          </a:extLst>
+        </p:spPr>
+      </p:pic>
     </p:spTree>
     <p:extLst>
       <p:ext uri="{BB962C8B-B14F-4D97-AF65-F5344CB8AC3E}">
-        <p14:creationId xmlns:p14="http://schemas.microsoft.com/office/powerpoint/2010/main" val="2490966992"/>
+        <p14:creationId xmlns:p14="http://schemas.microsoft.com/office/powerpoint/2010/main" val="211213364"/>
       </p:ext>
     </p:extLst>
   </p:cSld>
@@ -4699,18 +4128,40 @@
             <a:bodyPr rtlCol="0" anchor="ctr"/>
             <a:lstStyle/>
             <a:p>
-              <a:pPr algn="ctr"/>
-              <a:endParaRPr lang="en-US">
+              <a:pPr marL="0" marR="0" lvl="0" indent="0" algn="ctr" defTabSz="914400" rtl="0" eaLnBrk="1" fontAlgn="auto" latinLnBrk="0" hangingPunct="1">
+                <a:lnSpc>
+                  <a:spcPct val="100000"/>
+                </a:lnSpc>
+                <a:spcBef>
+                  <a:spcPts val="0"/>
+                </a:spcBef>
+                <a:spcAft>
+                  <a:spcPts val="0"/>
+                </a:spcAft>
+                <a:buClrTx/>
+                <a:buSzTx/>
+                <a:buFontTx/>
+                <a:buNone/>
+                <a:tabLst/>
+                <a:defRPr/>
+              </a:pPr>
+              <a:endParaRPr kumimoji="0" lang="en-US" sz="1800" b="0" i="0" u="none" strike="noStrike" kern="1200" cap="none" spc="0" normalizeH="0" baseline="0" noProof="0">
                 <a:ln>
                   <a:solidFill>
-                    <a:schemeClr val="bg2">
+                    <a:srgbClr val="E7E6E6">
                       <a:lumMod val="75000"/>
-                    </a:schemeClr>
+                    </a:srgbClr>
                   </a:solidFill>
                 </a:ln>
                 <a:solidFill>
-                  <a:schemeClr val="tx1"/>
+                  <a:prstClr val="black"/>
                 </a:solidFill>
+                <a:effectLst/>
+                <a:uLnTx/>
+                <a:uFillTx/>
+                <a:latin typeface="Calibri" panose="020F0502020204030204"/>
+                <a:ea typeface="+mn-ea"/>
+                <a:cs typeface="+mn-cs"/>
               </a:endParaRPr>
             </a:p>
           </p:txBody>
@@ -4756,18 +4207,40 @@
             <a:bodyPr rtlCol="0" anchor="ctr"/>
             <a:lstStyle/>
             <a:p>
-              <a:pPr algn="ctr"/>
-              <a:endParaRPr lang="en-US">
+              <a:pPr marL="0" marR="0" lvl="0" indent="0" algn="ctr" defTabSz="914400" rtl="0" eaLnBrk="1" fontAlgn="auto" latinLnBrk="0" hangingPunct="1">
+                <a:lnSpc>
+                  <a:spcPct val="100000"/>
+                </a:lnSpc>
+                <a:spcBef>
+                  <a:spcPts val="0"/>
+                </a:spcBef>
+                <a:spcAft>
+                  <a:spcPts val="0"/>
+                </a:spcAft>
+                <a:buClrTx/>
+                <a:buSzTx/>
+                <a:buFontTx/>
+                <a:buNone/>
+                <a:tabLst/>
+                <a:defRPr/>
+              </a:pPr>
+              <a:endParaRPr kumimoji="0" lang="en-US" sz="1800" b="0" i="0" u="none" strike="noStrike" kern="1200" cap="none" spc="0" normalizeH="0" baseline="0" noProof="0">
                 <a:ln>
                   <a:solidFill>
-                    <a:schemeClr val="bg2">
+                    <a:srgbClr val="E7E6E6">
                       <a:lumMod val="75000"/>
-                    </a:schemeClr>
+                    </a:srgbClr>
                   </a:solidFill>
                 </a:ln>
                 <a:solidFill>
-                  <a:schemeClr val="tx1"/>
+                  <a:prstClr val="black"/>
                 </a:solidFill>
+                <a:effectLst/>
+                <a:uLnTx/>
+                <a:uFillTx/>
+                <a:latin typeface="Calibri" panose="020F0502020204030204"/>
+                <a:ea typeface="+mn-ea"/>
+                <a:cs typeface="+mn-cs"/>
               </a:endParaRPr>
             </a:p>
           </p:txBody>
@@ -4803,10 +4276,528 @@
           </a:prstGeom>
         </p:spPr>
       </p:pic>
+      <p:sp>
+        <p:nvSpPr>
+          <p:cNvPr id="7" name="TextBox 6">
+            <a:extLst>
+              <a:ext uri="{FF2B5EF4-FFF2-40B4-BE49-F238E27FC236}">
+                <a16:creationId xmlns:a16="http://schemas.microsoft.com/office/drawing/2014/main" id="{24679E17-82C8-44BA-85DF-3C2F34A5707F}"/>
+              </a:ext>
+            </a:extLst>
+          </p:cNvPr>
+          <p:cNvSpPr txBox="1"/>
+          <p:nvPr/>
+        </p:nvSpPr>
+        <p:spPr>
+          <a:xfrm>
+            <a:off x="628650" y="2705679"/>
+            <a:ext cx="8064872" cy="1569660"/>
+          </a:xfrm>
+          <a:prstGeom prst="rect">
+            <a:avLst/>
+          </a:prstGeom>
+          <a:noFill/>
+        </p:spPr>
+        <p:txBody>
+          <a:bodyPr wrap="square" rtlCol="0">
+            <a:spAutoFit/>
+          </a:bodyPr>
+          <a:lstStyle/>
+          <a:p>
+            <a:pPr marL="342900" marR="0" lvl="0" indent="-342900" algn="just" defTabSz="914400" rtl="0" eaLnBrk="1" fontAlgn="auto" latinLnBrk="0" hangingPunct="1">
+              <a:lnSpc>
+                <a:spcPct val="100000"/>
+              </a:lnSpc>
+              <a:spcBef>
+                <a:spcPts val="0"/>
+              </a:spcBef>
+              <a:spcAft>
+                <a:spcPts val="0"/>
+              </a:spcAft>
+              <a:buClrTx/>
+              <a:buSzTx/>
+              <a:buFontTx/>
+              <a:buBlip>
+                <a:blip r:embed="rId3">
+                  <a:extLst/>
+                </a:blip>
+              </a:buBlip>
+              <a:tabLst/>
+              <a:defRPr/>
+            </a:pPr>
+            <a:r>
+              <a:rPr kumimoji="0" lang="en-US" sz="2400" b="1" i="0" u="none" strike="noStrike" kern="1200" cap="none" spc="0" normalizeH="0" baseline="0" noProof="0" dirty="0">
+                <a:ln>
+                  <a:noFill/>
+                </a:ln>
+                <a:solidFill>
+                  <a:prstClr val="black"/>
+                </a:solidFill>
+                <a:effectLst/>
+                <a:uLnTx/>
+                <a:uFillTx/>
+                <a:latin typeface="UT Sans" pitchFamily="50" charset="0"/>
+                <a:ea typeface="+mn-ea"/>
+                <a:cs typeface="+mn-cs"/>
+              </a:rPr>
+              <a:t>Independent Component Analysis </a:t>
+            </a:r>
+            <a:r>
+              <a:rPr kumimoji="0" lang="en-US" sz="2400" b="1" i="0" u="none" strike="noStrike" kern="1200" cap="none" spc="0" normalizeH="0" baseline="0" noProof="0" dirty="0" err="1">
+                <a:ln>
+                  <a:noFill/>
+                </a:ln>
+                <a:solidFill>
+                  <a:prstClr val="black"/>
+                </a:solidFill>
+                <a:effectLst/>
+                <a:uLnTx/>
+                <a:uFillTx/>
+                <a:latin typeface="UT Sans" pitchFamily="50" charset="0"/>
+                <a:ea typeface="+mn-ea"/>
+                <a:cs typeface="+mn-cs"/>
+              </a:rPr>
+              <a:t>este</a:t>
+            </a:r>
+            <a:r>
+              <a:rPr kumimoji="0" lang="en-US" sz="2400" b="1" i="0" u="none" strike="noStrike" kern="1200" cap="none" spc="0" normalizeH="0" baseline="0" noProof="0" dirty="0">
+                <a:ln>
+                  <a:noFill/>
+                </a:ln>
+                <a:solidFill>
+                  <a:prstClr val="black"/>
+                </a:solidFill>
+                <a:effectLst/>
+                <a:uLnTx/>
+                <a:uFillTx/>
+                <a:latin typeface="UT Sans" pitchFamily="50" charset="0"/>
+                <a:ea typeface="+mn-ea"/>
+                <a:cs typeface="+mn-cs"/>
+              </a:rPr>
+              <a:t> o </a:t>
+            </a:r>
+            <a:r>
+              <a:rPr kumimoji="0" lang="en-US" sz="2400" b="1" i="0" u="none" strike="noStrike" kern="1200" cap="none" spc="0" normalizeH="0" baseline="0" noProof="0" dirty="0" err="1">
+                <a:ln>
+                  <a:noFill/>
+                </a:ln>
+                <a:solidFill>
+                  <a:prstClr val="black"/>
+                </a:solidFill>
+                <a:effectLst/>
+                <a:uLnTx/>
+                <a:uFillTx/>
+                <a:latin typeface="UT Sans" pitchFamily="50" charset="0"/>
+                <a:ea typeface="+mn-ea"/>
+                <a:cs typeface="+mn-cs"/>
+              </a:rPr>
+              <a:t>metoda</a:t>
+            </a:r>
+            <a:r>
+              <a:rPr kumimoji="0" lang="en-US" sz="2400" b="1" i="0" u="none" strike="noStrike" kern="1200" cap="none" spc="0" normalizeH="0" baseline="0" noProof="0" dirty="0">
+                <a:ln>
+                  <a:noFill/>
+                </a:ln>
+                <a:solidFill>
+                  <a:prstClr val="black"/>
+                </a:solidFill>
+                <a:effectLst/>
+                <a:uLnTx/>
+                <a:uFillTx/>
+                <a:latin typeface="UT Sans" pitchFamily="50" charset="0"/>
+                <a:ea typeface="+mn-ea"/>
+                <a:cs typeface="+mn-cs"/>
+              </a:rPr>
+              <a:t> </a:t>
+            </a:r>
+            <a:r>
+              <a:rPr kumimoji="0" lang="en-US" sz="2400" b="1" i="0" u="none" strike="noStrike" kern="1200" cap="none" spc="0" normalizeH="0" baseline="0" noProof="0" dirty="0" err="1">
+                <a:ln>
+                  <a:noFill/>
+                </a:ln>
+                <a:solidFill>
+                  <a:prstClr val="black"/>
+                </a:solidFill>
+                <a:effectLst/>
+                <a:uLnTx/>
+                <a:uFillTx/>
+                <a:latin typeface="UT Sans" pitchFamily="50" charset="0"/>
+                <a:ea typeface="+mn-ea"/>
+                <a:cs typeface="+mn-cs"/>
+              </a:rPr>
+              <a:t>folosita</a:t>
+            </a:r>
+            <a:r>
+              <a:rPr kumimoji="0" lang="en-US" sz="2400" b="1" i="0" u="none" strike="noStrike" kern="1200" cap="none" spc="0" normalizeH="0" baseline="0" noProof="0" dirty="0">
+                <a:ln>
+                  <a:noFill/>
+                </a:ln>
+                <a:solidFill>
+                  <a:prstClr val="black"/>
+                </a:solidFill>
+                <a:effectLst/>
+                <a:uLnTx/>
+                <a:uFillTx/>
+                <a:latin typeface="UT Sans" pitchFamily="50" charset="0"/>
+                <a:ea typeface="+mn-ea"/>
+                <a:cs typeface="+mn-cs"/>
+              </a:rPr>
+              <a:t> </a:t>
+            </a:r>
+            <a:r>
+              <a:rPr kumimoji="0" lang="en-US" sz="2400" b="1" i="0" u="none" strike="noStrike" kern="1200" cap="none" spc="0" normalizeH="0" baseline="0" noProof="0" dirty="0" err="1">
+                <a:ln>
+                  <a:noFill/>
+                </a:ln>
+                <a:solidFill>
+                  <a:prstClr val="black"/>
+                </a:solidFill>
+                <a:effectLst/>
+                <a:uLnTx/>
+                <a:uFillTx/>
+                <a:latin typeface="UT Sans" pitchFamily="50" charset="0"/>
+                <a:ea typeface="+mn-ea"/>
+                <a:cs typeface="+mn-cs"/>
+              </a:rPr>
+              <a:t>pentru</a:t>
+            </a:r>
+            <a:r>
+              <a:rPr kumimoji="0" lang="en-US" sz="2400" b="1" i="0" u="none" strike="noStrike" kern="1200" cap="none" spc="0" normalizeH="0" baseline="0" noProof="0" dirty="0">
+                <a:ln>
+                  <a:noFill/>
+                </a:ln>
+                <a:solidFill>
+                  <a:prstClr val="black"/>
+                </a:solidFill>
+                <a:effectLst/>
+                <a:uLnTx/>
+                <a:uFillTx/>
+                <a:latin typeface="UT Sans" pitchFamily="50" charset="0"/>
+                <a:ea typeface="+mn-ea"/>
+                <a:cs typeface="+mn-cs"/>
+              </a:rPr>
+              <a:t> </a:t>
+            </a:r>
+            <a:r>
+              <a:rPr kumimoji="0" lang="en-US" sz="2400" b="1" i="0" u="none" strike="noStrike" kern="1200" cap="none" spc="0" normalizeH="0" baseline="0" noProof="0" dirty="0" err="1">
+                <a:ln>
+                  <a:noFill/>
+                </a:ln>
+                <a:solidFill>
+                  <a:prstClr val="black"/>
+                </a:solidFill>
+                <a:effectLst/>
+                <a:uLnTx/>
+                <a:uFillTx/>
+                <a:latin typeface="UT Sans" pitchFamily="50" charset="0"/>
+                <a:ea typeface="+mn-ea"/>
+                <a:cs typeface="+mn-cs"/>
+              </a:rPr>
+              <a:t>separarea</a:t>
+            </a:r>
+            <a:r>
+              <a:rPr kumimoji="0" lang="en-US" sz="2400" b="1" i="0" u="none" strike="noStrike" kern="1200" cap="none" spc="0" normalizeH="0" baseline="0" noProof="0" dirty="0">
+                <a:ln>
+                  <a:noFill/>
+                </a:ln>
+                <a:solidFill>
+                  <a:prstClr val="black"/>
+                </a:solidFill>
+                <a:effectLst/>
+                <a:uLnTx/>
+                <a:uFillTx/>
+                <a:latin typeface="UT Sans" pitchFamily="50" charset="0"/>
+                <a:ea typeface="+mn-ea"/>
+                <a:cs typeface="+mn-cs"/>
+              </a:rPr>
+              <a:t> </a:t>
+            </a:r>
+            <a:r>
+              <a:rPr kumimoji="0" lang="en-US" sz="2400" b="1" i="0" u="none" strike="noStrike" kern="1200" cap="none" spc="0" normalizeH="0" baseline="0" noProof="0" dirty="0" err="1">
+                <a:ln>
+                  <a:noFill/>
+                </a:ln>
+                <a:solidFill>
+                  <a:prstClr val="black"/>
+                </a:solidFill>
+                <a:effectLst/>
+                <a:uLnTx/>
+                <a:uFillTx/>
+                <a:latin typeface="UT Sans" pitchFamily="50" charset="0"/>
+                <a:ea typeface="+mn-ea"/>
+                <a:cs typeface="+mn-cs"/>
+              </a:rPr>
+              <a:t>unor</a:t>
+            </a:r>
+            <a:r>
+              <a:rPr kumimoji="0" lang="en-US" sz="2400" b="1" i="0" u="none" strike="noStrike" kern="1200" cap="none" spc="0" normalizeH="0" baseline="0" noProof="0" dirty="0">
+                <a:ln>
+                  <a:noFill/>
+                </a:ln>
+                <a:solidFill>
+                  <a:prstClr val="black"/>
+                </a:solidFill>
+                <a:effectLst/>
+                <a:uLnTx/>
+                <a:uFillTx/>
+                <a:latin typeface="UT Sans" pitchFamily="50" charset="0"/>
+                <a:ea typeface="+mn-ea"/>
+                <a:cs typeface="+mn-cs"/>
+              </a:rPr>
+              <a:t> </a:t>
+            </a:r>
+            <a:r>
+              <a:rPr kumimoji="0" lang="en-US" sz="2400" b="1" i="0" u="none" strike="noStrike" kern="1200" cap="none" spc="0" normalizeH="0" baseline="0" noProof="0" dirty="0" err="1">
+                <a:ln>
+                  <a:noFill/>
+                </a:ln>
+                <a:solidFill>
+                  <a:prstClr val="black"/>
+                </a:solidFill>
+                <a:effectLst/>
+                <a:uLnTx/>
+                <a:uFillTx/>
+                <a:latin typeface="UT Sans" pitchFamily="50" charset="0"/>
+                <a:ea typeface="+mn-ea"/>
+                <a:cs typeface="+mn-cs"/>
+              </a:rPr>
+              <a:t>surse</a:t>
+            </a:r>
+            <a:r>
+              <a:rPr kumimoji="0" lang="en-US" sz="2400" b="1" i="0" u="none" strike="noStrike" kern="1200" cap="none" spc="0" normalizeH="0" baseline="0" noProof="0" dirty="0">
+                <a:ln>
+                  <a:noFill/>
+                </a:ln>
+                <a:solidFill>
+                  <a:prstClr val="black"/>
+                </a:solidFill>
+                <a:effectLst/>
+                <a:uLnTx/>
+                <a:uFillTx/>
+                <a:latin typeface="UT Sans" pitchFamily="50" charset="0"/>
+                <a:ea typeface="+mn-ea"/>
+                <a:cs typeface="+mn-cs"/>
+              </a:rPr>
+              <a:t> multivariate in </a:t>
+            </a:r>
+            <a:r>
+              <a:rPr kumimoji="0" lang="en-US" sz="2400" b="1" i="0" u="none" strike="noStrike" kern="1200" cap="none" spc="0" normalizeH="0" baseline="0" noProof="0" dirty="0" err="1">
+                <a:ln>
+                  <a:noFill/>
+                </a:ln>
+                <a:solidFill>
+                  <a:prstClr val="black"/>
+                </a:solidFill>
+                <a:effectLst/>
+                <a:uLnTx/>
+                <a:uFillTx/>
+                <a:latin typeface="UT Sans" pitchFamily="50" charset="0"/>
+                <a:ea typeface="+mn-ea"/>
+                <a:cs typeface="+mn-cs"/>
+              </a:rPr>
+              <a:t>mai</a:t>
+            </a:r>
+            <a:r>
+              <a:rPr kumimoji="0" lang="en-US" sz="2400" b="1" i="0" u="none" strike="noStrike" kern="1200" cap="none" spc="0" normalizeH="0" baseline="0" noProof="0" dirty="0">
+                <a:ln>
+                  <a:noFill/>
+                </a:ln>
+                <a:solidFill>
+                  <a:prstClr val="black"/>
+                </a:solidFill>
+                <a:effectLst/>
+                <a:uLnTx/>
+                <a:uFillTx/>
+                <a:latin typeface="UT Sans" pitchFamily="50" charset="0"/>
+                <a:ea typeface="+mn-ea"/>
+                <a:cs typeface="+mn-cs"/>
+              </a:rPr>
+              <a:t> </a:t>
+            </a:r>
+            <a:r>
+              <a:rPr kumimoji="0" lang="en-US" sz="2400" b="1" i="0" u="none" strike="noStrike" kern="1200" cap="none" spc="0" normalizeH="0" baseline="0" noProof="0" dirty="0" err="1">
+                <a:ln>
+                  <a:noFill/>
+                </a:ln>
+                <a:solidFill>
+                  <a:prstClr val="black"/>
+                </a:solidFill>
+                <a:effectLst/>
+                <a:uLnTx/>
+                <a:uFillTx/>
+                <a:latin typeface="UT Sans" pitchFamily="50" charset="0"/>
+                <a:ea typeface="+mn-ea"/>
+                <a:cs typeface="+mn-cs"/>
+              </a:rPr>
+              <a:t>multe</a:t>
+            </a:r>
+            <a:r>
+              <a:rPr kumimoji="0" lang="en-US" sz="2400" b="1" i="0" u="none" strike="noStrike" kern="1200" cap="none" spc="0" normalizeH="0" baseline="0" noProof="0" dirty="0">
+                <a:ln>
+                  <a:noFill/>
+                </a:ln>
+                <a:solidFill>
+                  <a:prstClr val="black"/>
+                </a:solidFill>
+                <a:effectLst/>
+                <a:uLnTx/>
+                <a:uFillTx/>
+                <a:latin typeface="UT Sans" pitchFamily="50" charset="0"/>
+                <a:ea typeface="+mn-ea"/>
+                <a:cs typeface="+mn-cs"/>
+              </a:rPr>
+              <a:t> </a:t>
+            </a:r>
+            <a:r>
+              <a:rPr kumimoji="0" lang="en-US" sz="2400" b="1" i="0" u="none" strike="noStrike" kern="1200" cap="none" spc="0" normalizeH="0" baseline="0" noProof="0" dirty="0" err="1">
+                <a:ln>
+                  <a:noFill/>
+                </a:ln>
+                <a:solidFill>
+                  <a:prstClr val="black"/>
+                </a:solidFill>
+                <a:effectLst/>
+                <a:uLnTx/>
+                <a:uFillTx/>
+                <a:latin typeface="UT Sans" pitchFamily="50" charset="0"/>
+                <a:ea typeface="+mn-ea"/>
+                <a:cs typeface="+mn-cs"/>
+              </a:rPr>
+              <a:t>componente</a:t>
+            </a:r>
+            <a:r>
+              <a:rPr kumimoji="0" lang="en-US" sz="2400" b="1" i="0" u="none" strike="noStrike" kern="1200" cap="none" spc="0" normalizeH="0" baseline="0" noProof="0" dirty="0">
+                <a:ln>
+                  <a:noFill/>
+                </a:ln>
+                <a:solidFill>
+                  <a:prstClr val="black"/>
+                </a:solidFill>
+                <a:effectLst/>
+                <a:uLnTx/>
+                <a:uFillTx/>
+                <a:latin typeface="UT Sans" pitchFamily="50" charset="0"/>
+                <a:ea typeface="+mn-ea"/>
+                <a:cs typeface="+mn-cs"/>
+              </a:rPr>
+              <a:t> </a:t>
+            </a:r>
+            <a:r>
+              <a:rPr kumimoji="0" lang="en-US" sz="2400" b="1" i="0" u="none" strike="noStrike" kern="1200" cap="none" spc="0" normalizeH="0" baseline="0" noProof="0" dirty="0" err="1">
+                <a:ln>
+                  <a:noFill/>
+                </a:ln>
+                <a:solidFill>
+                  <a:prstClr val="black"/>
+                </a:solidFill>
+                <a:effectLst/>
+                <a:uLnTx/>
+                <a:uFillTx/>
+                <a:latin typeface="UT Sans" pitchFamily="50" charset="0"/>
+                <a:ea typeface="+mn-ea"/>
+                <a:cs typeface="+mn-cs"/>
+              </a:rPr>
+              <a:t>aditive</a:t>
+            </a:r>
+            <a:r>
+              <a:rPr kumimoji="0" lang="en-US" sz="2400" b="1" i="0" u="none" strike="noStrike" kern="1200" cap="none" spc="0" normalizeH="0" baseline="0" noProof="0" dirty="0">
+                <a:ln>
+                  <a:noFill/>
+                </a:ln>
+                <a:solidFill>
+                  <a:prstClr val="black"/>
+                </a:solidFill>
+                <a:effectLst/>
+                <a:uLnTx/>
+                <a:uFillTx/>
+                <a:latin typeface="UT Sans" pitchFamily="50" charset="0"/>
+                <a:ea typeface="+mn-ea"/>
+                <a:cs typeface="+mn-cs"/>
+              </a:rPr>
+              <a:t>.</a:t>
+            </a:r>
+          </a:p>
+          <a:p>
+            <a:pPr marL="0" marR="0" lvl="0" indent="0" algn="just" defTabSz="914400" rtl="0" eaLnBrk="1" fontAlgn="auto" latinLnBrk="0" hangingPunct="1">
+              <a:lnSpc>
+                <a:spcPct val="100000"/>
+              </a:lnSpc>
+              <a:spcBef>
+                <a:spcPts val="0"/>
+              </a:spcBef>
+              <a:spcAft>
+                <a:spcPts val="0"/>
+              </a:spcAft>
+              <a:buClrTx/>
+              <a:buSzTx/>
+              <a:buFontTx/>
+              <a:buNone/>
+              <a:tabLst/>
+              <a:defRPr/>
+            </a:pPr>
+            <a:endParaRPr kumimoji="0" lang="ro-RO" sz="2400" b="1" i="0" u="none" strike="noStrike" kern="1200" cap="none" spc="0" normalizeH="0" baseline="0" noProof="0" dirty="0">
+              <a:ln>
+                <a:noFill/>
+              </a:ln>
+              <a:solidFill>
+                <a:prstClr val="black"/>
+              </a:solidFill>
+              <a:effectLst/>
+              <a:uLnTx/>
+              <a:uFillTx/>
+              <a:latin typeface="UT Sans" pitchFamily="50" charset="0"/>
+              <a:ea typeface="+mn-ea"/>
+              <a:cs typeface="+mn-cs"/>
+            </a:endParaRPr>
+          </a:p>
+        </p:txBody>
+      </p:sp>
+      <p:sp>
+        <p:nvSpPr>
+          <p:cNvPr id="9" name="Title 1">
+            <a:extLst>
+              <a:ext uri="{FF2B5EF4-FFF2-40B4-BE49-F238E27FC236}">
+                <a16:creationId xmlns:a16="http://schemas.microsoft.com/office/drawing/2014/main" id="{8377B4DA-5662-4000-8BC4-BF0974B1F20D}"/>
+              </a:ext>
+            </a:extLst>
+          </p:cNvPr>
+          <p:cNvSpPr>
+            <a:spLocks noGrp="1"/>
+          </p:cNvSpPr>
+          <p:nvPr>
+            <p:ph type="title"/>
+          </p:nvPr>
+        </p:nvSpPr>
+        <p:spPr>
+          <a:xfrm>
+            <a:off x="628650" y="365126"/>
+            <a:ext cx="7886700" cy="1325563"/>
+          </a:xfrm>
+        </p:spPr>
+        <p:txBody>
+          <a:bodyPr/>
+          <a:lstStyle/>
+          <a:p>
+            <a:pPr algn="ctr"/>
+            <a:r>
+              <a:rPr lang="en-US" b="1" dirty="0"/>
+              <a:t>Ce </a:t>
+            </a:r>
+            <a:r>
+              <a:rPr lang="en-US" b="1" dirty="0" err="1"/>
+              <a:t>este</a:t>
+            </a:r>
+            <a:r>
+              <a:rPr lang="en-US" b="1" dirty="0"/>
+              <a:t> ICA?</a:t>
+            </a:r>
+          </a:p>
+        </p:txBody>
+      </p:sp>
     </p:spTree>
     <p:extLst>
       <p:ext uri="{BB962C8B-B14F-4D97-AF65-F5344CB8AC3E}">
-        <p14:creationId xmlns:p14="http://schemas.microsoft.com/office/powerpoint/2010/main" val="2684716626"/>
+        <p14:creationId xmlns:p14="http://schemas.microsoft.com/office/powerpoint/2010/main" val="2922785773"/>
       </p:ext>
     </p:extLst>
   </p:cSld>
@@ -4890,18 +4881,40 @@
             <a:bodyPr rtlCol="0" anchor="ctr"/>
             <a:lstStyle/>
             <a:p>
-              <a:pPr algn="ctr"/>
-              <a:endParaRPr lang="en-US">
+              <a:pPr marL="0" marR="0" lvl="0" indent="0" algn="ctr" defTabSz="914400" rtl="0" eaLnBrk="1" fontAlgn="auto" latinLnBrk="0" hangingPunct="1">
+                <a:lnSpc>
+                  <a:spcPct val="100000"/>
+                </a:lnSpc>
+                <a:spcBef>
+                  <a:spcPts val="0"/>
+                </a:spcBef>
+                <a:spcAft>
+                  <a:spcPts val="0"/>
+                </a:spcAft>
+                <a:buClrTx/>
+                <a:buSzTx/>
+                <a:buFontTx/>
+                <a:buNone/>
+                <a:tabLst/>
+                <a:defRPr/>
+              </a:pPr>
+              <a:endParaRPr kumimoji="0" lang="en-US" sz="1800" b="0" i="0" u="none" strike="noStrike" kern="1200" cap="none" spc="0" normalizeH="0" baseline="0" noProof="0">
                 <a:ln>
                   <a:solidFill>
-                    <a:schemeClr val="bg2">
+                    <a:srgbClr val="E7E6E6">
                       <a:lumMod val="75000"/>
-                    </a:schemeClr>
+                    </a:srgbClr>
                   </a:solidFill>
                 </a:ln>
                 <a:solidFill>
-                  <a:schemeClr val="tx1"/>
+                  <a:prstClr val="black"/>
                 </a:solidFill>
+                <a:effectLst/>
+                <a:uLnTx/>
+                <a:uFillTx/>
+                <a:latin typeface="Calibri" panose="020F0502020204030204"/>
+                <a:ea typeface="+mn-ea"/>
+                <a:cs typeface="+mn-cs"/>
               </a:endParaRPr>
             </a:p>
           </p:txBody>
@@ -4947,18 +4960,40 @@
             <a:bodyPr rtlCol="0" anchor="ctr"/>
             <a:lstStyle/>
             <a:p>
-              <a:pPr algn="ctr"/>
-              <a:endParaRPr lang="en-US">
+              <a:pPr marL="0" marR="0" lvl="0" indent="0" algn="ctr" defTabSz="914400" rtl="0" eaLnBrk="1" fontAlgn="auto" latinLnBrk="0" hangingPunct="1">
+                <a:lnSpc>
+                  <a:spcPct val="100000"/>
+                </a:lnSpc>
+                <a:spcBef>
+                  <a:spcPts val="0"/>
+                </a:spcBef>
+                <a:spcAft>
+                  <a:spcPts val="0"/>
+                </a:spcAft>
+                <a:buClrTx/>
+                <a:buSzTx/>
+                <a:buFontTx/>
+                <a:buNone/>
+                <a:tabLst/>
+                <a:defRPr/>
+              </a:pPr>
+              <a:endParaRPr kumimoji="0" lang="en-US" sz="1800" b="0" i="0" u="none" strike="noStrike" kern="1200" cap="none" spc="0" normalizeH="0" baseline="0" noProof="0">
                 <a:ln>
                   <a:solidFill>
-                    <a:schemeClr val="bg2">
+                    <a:srgbClr val="E7E6E6">
                       <a:lumMod val="75000"/>
-                    </a:schemeClr>
+                    </a:srgbClr>
                   </a:solidFill>
                 </a:ln>
                 <a:solidFill>
-                  <a:schemeClr val="tx1"/>
+                  <a:prstClr val="black"/>
                 </a:solidFill>
+                <a:effectLst/>
+                <a:uLnTx/>
+                <a:uFillTx/>
+                <a:latin typeface="Calibri" panose="020F0502020204030204"/>
+                <a:ea typeface="+mn-ea"/>
+                <a:cs typeface="+mn-cs"/>
               </a:endParaRPr>
             </a:p>
           </p:txBody>
@@ -4966,7 +5001,7 @@
       </p:grpSp>
       <p:pic>
         <p:nvPicPr>
-          <p:cNvPr id="7" name="Picture 6"/>
+          <p:cNvPr id="8" name="Picture 7"/>
           <p:cNvPicPr>
             <a:picLocks noChangeAspect="1"/>
           </p:cNvPicPr>
@@ -4994,10 +5029,2782 @@
           </a:prstGeom>
         </p:spPr>
       </p:pic>
+      <mc:AlternateContent xmlns:mc="http://schemas.openxmlformats.org/markup-compatibility/2006">
+        <mc:Choice xmlns:a14="http://schemas.microsoft.com/office/drawing/2010/main" Requires="a14">
+          <p:sp>
+            <p:nvSpPr>
+              <p:cNvPr id="7" name="TextBox 6">
+                <a:extLst>
+                  <a:ext uri="{FF2B5EF4-FFF2-40B4-BE49-F238E27FC236}">
+                    <a16:creationId xmlns:a16="http://schemas.microsoft.com/office/drawing/2014/main" id="{24679E17-82C8-44BA-85DF-3C2F34A5707F}"/>
+                  </a:ext>
+                </a:extLst>
+              </p:cNvPr>
+              <p:cNvSpPr txBox="1"/>
+              <p:nvPr/>
+            </p:nvSpPr>
+            <p:spPr>
+              <a:xfrm>
+                <a:off x="543508" y="2420888"/>
+                <a:ext cx="8064872" cy="3497304"/>
+              </a:xfrm>
+              <a:prstGeom prst="rect">
+                <a:avLst/>
+              </a:prstGeom>
+              <a:noFill/>
+            </p:spPr>
+            <p:txBody>
+              <a:bodyPr wrap="square" rtlCol="0">
+                <a:spAutoFit/>
+              </a:bodyPr>
+              <a:lstStyle/>
+              <a:p>
+                <a:pPr marL="342900" lvl="0" indent="-342900" algn="just">
+                  <a:buBlip>
+                    <a:blip r:embed="rId3">
+                      <a:extLst/>
+                    </a:blip>
+                  </a:buBlip>
+                </a:pPr>
+                <a:r>
+                  <a:rPr lang="en-US" dirty="0">
+                    <a:latin typeface="UT Sans" panose="00000500000000000000" pitchFamily="50" charset="0"/>
+                  </a:rPr>
+                  <a:t>Modelul pe care l-am </a:t>
+                </a:r>
+                <a:r>
+                  <a:rPr lang="en-US" dirty="0" err="1">
+                    <a:latin typeface="UT Sans" panose="00000500000000000000" pitchFamily="50" charset="0"/>
+                  </a:rPr>
+                  <a:t>descris</a:t>
+                </a:r>
+                <a:r>
+                  <a:rPr lang="en-US" dirty="0">
+                    <a:latin typeface="UT Sans" panose="00000500000000000000" pitchFamily="50" charset="0"/>
+                  </a:rPr>
+                  <a:t> </a:t>
+                </a:r>
+                <a:r>
+                  <a:rPr lang="en-US" dirty="0" err="1">
+                    <a:latin typeface="UT Sans" panose="00000500000000000000" pitchFamily="50" charset="0"/>
+                  </a:rPr>
+                  <a:t>mai</a:t>
+                </a:r>
+                <a:r>
+                  <a:rPr lang="en-US" dirty="0">
+                    <a:latin typeface="UT Sans" panose="00000500000000000000" pitchFamily="50" charset="0"/>
+                  </a:rPr>
+                  <a:t> </a:t>
+                </a:r>
+                <a:r>
+                  <a:rPr lang="en-US" dirty="0" err="1">
+                    <a:latin typeface="UT Sans" panose="00000500000000000000" pitchFamily="50" charset="0"/>
+                  </a:rPr>
+                  <a:t>devreme</a:t>
+                </a:r>
+                <a:r>
+                  <a:rPr lang="en-US" dirty="0">
+                    <a:latin typeface="UT Sans" panose="00000500000000000000" pitchFamily="50" charset="0"/>
+                  </a:rPr>
+                  <a:t>: </a:t>
+                </a:r>
+              </a:p>
+              <a:p>
+                <a:pPr lvl="0" algn="just"/>
+                <a14:m>
+                  <m:oMathPara xmlns:m="http://schemas.openxmlformats.org/officeDocument/2006/math">
+                    <m:oMathParaPr>
+                      <m:jc m:val="centerGroup"/>
+                    </m:oMathParaPr>
+                    <m:oMath xmlns:m="http://schemas.openxmlformats.org/officeDocument/2006/math">
+                      <m:r>
+                        <a:rPr lang="en-US" sz="3200" i="1">
+                          <a:latin typeface="Cambria Math" panose="02040503050406030204" pitchFamily="18" charset="0"/>
+                        </a:rPr>
+                        <m:t>𝑥</m:t>
+                      </m:r>
+                      <m:r>
+                        <a:rPr lang="en-US" sz="3200" i="1">
+                          <a:latin typeface="Cambria Math" panose="02040503050406030204" pitchFamily="18" charset="0"/>
+                        </a:rPr>
+                        <m:t>=</m:t>
+                      </m:r>
+                      <m:r>
+                        <a:rPr lang="en-US" sz="3200" i="1">
+                          <a:latin typeface="Cambria Math" panose="02040503050406030204" pitchFamily="18" charset="0"/>
+                        </a:rPr>
+                        <m:t>𝐴𝑠</m:t>
+                      </m:r>
+                    </m:oMath>
+                  </m:oMathPara>
+                </a14:m>
+                <a:endParaRPr lang="en-US" dirty="0">
+                  <a:latin typeface="UT Sans" panose="00000500000000000000" pitchFamily="50" charset="0"/>
+                </a:endParaRPr>
+              </a:p>
+              <a:p>
+                <a:pPr marL="1257300" lvl="2" indent="-342900" algn="just">
+                  <a:buBlip>
+                    <a:blip r:embed="rId3">
+                      <a:extLst/>
+                    </a:blip>
+                  </a:buBlip>
+                </a:pPr>
+                <a:endParaRPr lang="en-US" dirty="0">
+                  <a:latin typeface="UT Sans" panose="00000500000000000000" pitchFamily="50" charset="0"/>
+                </a:endParaRPr>
+              </a:p>
+              <a:p>
+                <a:pPr marL="342900" indent="-342900" algn="just">
+                  <a:buBlip>
+                    <a:blip r:embed="rId3">
+                      <a:extLst/>
+                    </a:blip>
+                  </a:buBlip>
+                </a:pPr>
+                <a:r>
+                  <a:rPr lang="en-US" dirty="0">
+                    <a:latin typeface="UT Sans" panose="00000500000000000000" pitchFamily="50" charset="0"/>
+                  </a:rPr>
+                  <a:t>Este </a:t>
+                </a:r>
+                <a:r>
+                  <a:rPr lang="en-US" dirty="0" err="1">
+                    <a:latin typeface="UT Sans" panose="00000500000000000000" pitchFamily="50" charset="0"/>
+                  </a:rPr>
+                  <a:t>numit</a:t>
+                </a:r>
+                <a:r>
+                  <a:rPr lang="en-US" dirty="0">
+                    <a:latin typeface="UT Sans" panose="00000500000000000000" pitchFamily="50" charset="0"/>
+                  </a:rPr>
+                  <a:t> </a:t>
+                </a:r>
+                <a:r>
+                  <a:rPr lang="en-US" b="1" dirty="0" err="1">
+                    <a:latin typeface="UT Sans" panose="00000500000000000000" pitchFamily="50" charset="0"/>
+                  </a:rPr>
+                  <a:t>modelul</a:t>
+                </a:r>
+                <a:r>
+                  <a:rPr lang="en-US" b="1" dirty="0">
+                    <a:latin typeface="UT Sans" panose="00000500000000000000" pitchFamily="50" charset="0"/>
+                  </a:rPr>
+                  <a:t> ICA</a:t>
+                </a:r>
+                <a:r>
+                  <a:rPr lang="en-US" dirty="0">
+                    <a:latin typeface="UT Sans" panose="00000500000000000000" pitchFamily="50" charset="0"/>
+                  </a:rPr>
+                  <a:t>, care face </a:t>
+                </a:r>
+                <a:r>
+                  <a:rPr lang="en-US" dirty="0" err="1">
+                    <a:latin typeface="UT Sans" panose="00000500000000000000" pitchFamily="50" charset="0"/>
+                  </a:rPr>
+                  <a:t>doua</a:t>
+                </a:r>
+                <a:r>
+                  <a:rPr lang="en-US" dirty="0">
+                    <a:latin typeface="UT Sans" panose="00000500000000000000" pitchFamily="50" charset="0"/>
+                  </a:rPr>
+                  <a:t> </a:t>
+                </a:r>
+                <a:r>
+                  <a:rPr lang="en-US" dirty="0" err="1">
+                    <a:latin typeface="UT Sans" panose="00000500000000000000" pitchFamily="50" charset="0"/>
+                  </a:rPr>
+                  <a:t>presupuneri</a:t>
+                </a:r>
+                <a:r>
+                  <a:rPr lang="en-US" dirty="0">
+                    <a:latin typeface="UT Sans" panose="00000500000000000000" pitchFamily="50" charset="0"/>
+                  </a:rPr>
+                  <a:t> simple: componentele </a:t>
+                </a:r>
+                <a14:m>
+                  <m:oMath xmlns:m="http://schemas.openxmlformats.org/officeDocument/2006/math">
+                    <m:sSub>
+                      <m:sSubPr>
+                        <m:ctrlPr>
+                          <a:rPr lang="en-US" i="1">
+                            <a:latin typeface="Cambria Math" panose="02040503050406030204" pitchFamily="18" charset="0"/>
+                          </a:rPr>
+                        </m:ctrlPr>
+                      </m:sSubPr>
+                      <m:e>
+                        <m:r>
+                          <a:rPr lang="en-US" i="1">
+                            <a:latin typeface="Cambria Math" panose="02040503050406030204" pitchFamily="18" charset="0"/>
+                          </a:rPr>
+                          <m:t>𝑠</m:t>
+                        </m:r>
+                      </m:e>
+                      <m:sub>
+                        <m:r>
+                          <a:rPr lang="en-US" i="1">
+                            <a:latin typeface="Cambria Math" panose="02040503050406030204" pitchFamily="18" charset="0"/>
+                          </a:rPr>
+                          <m:t>𝑖</m:t>
+                        </m:r>
+                      </m:sub>
+                    </m:sSub>
+                  </m:oMath>
+                </a14:m>
+                <a:r>
+                  <a:rPr lang="en-US" dirty="0">
+                    <a:latin typeface="UT Sans" panose="00000500000000000000" pitchFamily="50" charset="0"/>
+                  </a:rPr>
+                  <a:t> sunt </a:t>
+                </a:r>
+                <a:r>
+                  <a:rPr lang="en-US" i="1" dirty="0">
+                    <a:latin typeface="UT Sans" panose="00000500000000000000" pitchFamily="50" charset="0"/>
+                  </a:rPr>
+                  <a:t>statistic </a:t>
+                </a:r>
+                <a:r>
+                  <a:rPr lang="en-US" i="1" dirty="0" err="1">
+                    <a:latin typeface="UT Sans" panose="00000500000000000000" pitchFamily="50" charset="0"/>
+                  </a:rPr>
+                  <a:t>independente</a:t>
+                </a:r>
+                <a:r>
+                  <a:rPr lang="en-US" i="1" dirty="0">
+                    <a:latin typeface="UT Sans" panose="00000500000000000000" pitchFamily="50" charset="0"/>
+                  </a:rPr>
+                  <a:t> </a:t>
+                </a:r>
+                <a:r>
+                  <a:rPr lang="en-US" dirty="0" err="1">
+                    <a:latin typeface="UT Sans" panose="00000500000000000000" pitchFamily="50" charset="0"/>
+                  </a:rPr>
+                  <a:t>si</a:t>
+                </a:r>
+                <a:r>
+                  <a:rPr lang="en-US" dirty="0">
+                    <a:latin typeface="UT Sans" panose="00000500000000000000" pitchFamily="50" charset="0"/>
+                  </a:rPr>
+                  <a:t> ca au </a:t>
+                </a:r>
+                <a:r>
+                  <a:rPr lang="en-US" i="1" dirty="0" err="1">
+                    <a:latin typeface="UT Sans" panose="00000500000000000000" pitchFamily="50" charset="0"/>
+                  </a:rPr>
+                  <a:t>distributie</a:t>
+                </a:r>
+                <a:r>
+                  <a:rPr lang="en-US" i="1" dirty="0">
+                    <a:latin typeface="UT Sans" panose="00000500000000000000" pitchFamily="50" charset="0"/>
+                  </a:rPr>
+                  <a:t> non-</a:t>
+                </a:r>
+                <a:r>
+                  <a:rPr lang="en-US" i="1" dirty="0" err="1">
+                    <a:latin typeface="UT Sans" panose="00000500000000000000" pitchFamily="50" charset="0"/>
+                  </a:rPr>
+                  <a:t>gaussiana</a:t>
+                </a:r>
+                <a:r>
+                  <a:rPr lang="en-US" i="1" dirty="0">
+                    <a:latin typeface="UT Sans" panose="00000500000000000000" pitchFamily="50" charset="0"/>
+                  </a:rPr>
+                  <a:t>. </a:t>
+                </a:r>
+              </a:p>
+              <a:p>
+                <a:pPr marL="342900" indent="-342900" algn="just">
+                  <a:buBlip>
+                    <a:blip r:embed="rId3">
+                      <a:extLst/>
+                    </a:blip>
+                  </a:buBlip>
+                </a:pPr>
+                <a:endParaRPr lang="en-US" i="1" dirty="0">
+                  <a:latin typeface="UT Sans" panose="00000500000000000000" pitchFamily="50" charset="0"/>
+                </a:endParaRPr>
+              </a:p>
+              <a:p>
+                <a:pPr algn="just"/>
+                <a:endParaRPr lang="en-US" i="1" dirty="0">
+                  <a:latin typeface="UT Sans" panose="00000500000000000000" pitchFamily="50" charset="0"/>
+                </a:endParaRPr>
+              </a:p>
+              <a:p>
+                <a:pPr algn="just"/>
+                <a14:m>
+                  <m:oMathPara xmlns:m="http://schemas.openxmlformats.org/officeDocument/2006/math">
+                    <m:oMathParaPr>
+                      <m:jc m:val="centerGroup"/>
+                    </m:oMathParaPr>
+                    <m:oMath xmlns:m="http://schemas.openxmlformats.org/officeDocument/2006/math">
+                      <m:r>
+                        <a:rPr lang="en-US" sz="3200" b="0" i="1" smtClean="0">
+                          <a:latin typeface="Cambria Math" panose="02040503050406030204" pitchFamily="18" charset="0"/>
+                        </a:rPr>
+                        <m:t>𝑊</m:t>
+                      </m:r>
+                      <m:r>
+                        <a:rPr lang="en-US" sz="3200" i="1">
+                          <a:latin typeface="Cambria Math" panose="02040503050406030204" pitchFamily="18" charset="0"/>
+                        </a:rPr>
+                        <m:t>=</m:t>
+                      </m:r>
+                      <m:sSup>
+                        <m:sSupPr>
+                          <m:ctrlPr>
+                            <a:rPr lang="en-US" sz="3200" b="0" i="1" smtClean="0">
+                              <a:latin typeface="Cambria Math" panose="02040503050406030204" pitchFamily="18" charset="0"/>
+                            </a:rPr>
+                          </m:ctrlPr>
+                        </m:sSupPr>
+                        <m:e>
+                          <m:r>
+                            <a:rPr lang="en-US" sz="3200" b="0" i="1" smtClean="0">
+                              <a:latin typeface="Cambria Math" panose="02040503050406030204" pitchFamily="18" charset="0"/>
+                            </a:rPr>
+                            <m:t>𝐴</m:t>
+                          </m:r>
+                        </m:e>
+                        <m:sup>
+                          <m:r>
+                            <a:rPr lang="en-US" sz="3200" b="0" i="1" smtClean="0">
+                              <a:latin typeface="Cambria Math" panose="02040503050406030204" pitchFamily="18" charset="0"/>
+                            </a:rPr>
+                            <m:t>−1</m:t>
+                          </m:r>
+                        </m:sup>
+                      </m:sSup>
+                    </m:oMath>
+                  </m:oMathPara>
+                </a14:m>
+                <a:endParaRPr lang="en-US" dirty="0">
+                  <a:latin typeface="UT Sans" panose="00000500000000000000" pitchFamily="50" charset="0"/>
+                </a:endParaRPr>
+              </a:p>
+              <a:p>
+                <a:pPr algn="ctr"/>
+                <a14:m>
+                  <m:oMath xmlns:m="http://schemas.openxmlformats.org/officeDocument/2006/math">
+                    <m:r>
+                      <a:rPr lang="en-US" sz="3200" i="1">
+                        <a:latin typeface="Cambria Math" panose="02040503050406030204" pitchFamily="18" charset="0"/>
+                      </a:rPr>
+                      <m:t>𝑠</m:t>
+                    </m:r>
+                    <m:r>
+                      <a:rPr lang="en-US" sz="3200" i="1">
+                        <a:latin typeface="Cambria Math" panose="02040503050406030204" pitchFamily="18" charset="0"/>
+                      </a:rPr>
+                      <m:t>=</m:t>
+                    </m:r>
+                    <m:r>
+                      <a:rPr lang="en-US" sz="3200" i="1">
+                        <a:latin typeface="Cambria Math" panose="02040503050406030204" pitchFamily="18" charset="0"/>
+                      </a:rPr>
+                      <m:t>𝑊𝑥</m:t>
+                    </m:r>
+                  </m:oMath>
+                </a14:m>
+                <a:r>
+                  <a:rPr lang="en-US" i="1" dirty="0">
+                    <a:latin typeface="UT Sans" panose="00000500000000000000" pitchFamily="50" charset="0"/>
+                  </a:rPr>
+                  <a:t>.</a:t>
+                </a:r>
+              </a:p>
+              <a:p>
+                <a:pPr lvl="0" algn="just"/>
+                <a:endParaRPr kumimoji="0" lang="ro-RO" b="1" i="0" u="none" strike="noStrike" kern="1200" cap="none" spc="0" normalizeH="0" baseline="0" noProof="0" dirty="0">
+                  <a:ln>
+                    <a:noFill/>
+                  </a:ln>
+                  <a:solidFill>
+                    <a:prstClr val="black"/>
+                  </a:solidFill>
+                  <a:effectLst/>
+                  <a:uLnTx/>
+                  <a:uFillTx/>
+                  <a:latin typeface="UT Sans" pitchFamily="50" charset="0"/>
+                </a:endParaRPr>
+              </a:p>
+            </p:txBody>
+          </p:sp>
+        </mc:Choice>
+        <mc:Fallback>
+          <p:sp>
+            <p:nvSpPr>
+              <p:cNvPr id="7" name="TextBox 6">
+                <a:extLst>
+                  <a:ext uri="{FF2B5EF4-FFF2-40B4-BE49-F238E27FC236}">
+                    <a16:creationId xmlns:a16="http://schemas.microsoft.com/office/drawing/2014/main" id="{24679E17-82C8-44BA-85DF-3C2F34A5707F}"/>
+                  </a:ext>
+                </a:extLst>
+              </p:cNvPr>
+              <p:cNvSpPr txBox="1">
+                <a:spLocks noRot="1" noChangeAspect="1" noMove="1" noResize="1" noEditPoints="1" noAdjustHandles="1" noChangeArrowheads="1" noChangeShapeType="1" noTextEdit="1"/>
+              </p:cNvSpPr>
+              <p:nvPr/>
+            </p:nvSpPr>
+            <p:spPr>
+              <a:xfrm>
+                <a:off x="543508" y="2420888"/>
+                <a:ext cx="8064872" cy="3497304"/>
+              </a:xfrm>
+              <a:prstGeom prst="rect">
+                <a:avLst/>
+              </a:prstGeom>
+              <a:blipFill>
+                <a:blip r:embed="rId4"/>
+                <a:stretch>
+                  <a:fillRect t="-697"/>
+                </a:stretch>
+              </a:blipFill>
+            </p:spPr>
+            <p:txBody>
+              <a:bodyPr/>
+              <a:lstStyle/>
+              <a:p>
+                <a:r>
+                  <a:rPr lang="en-US">
+                    <a:noFill/>
+                  </a:rPr>
+                  <a:t> </a:t>
+                </a:r>
+              </a:p>
+            </p:txBody>
+          </p:sp>
+        </mc:Fallback>
+      </mc:AlternateContent>
+      <p:sp>
+        <p:nvSpPr>
+          <p:cNvPr id="9" name="Title 1">
+            <a:extLst>
+              <a:ext uri="{FF2B5EF4-FFF2-40B4-BE49-F238E27FC236}">
+                <a16:creationId xmlns:a16="http://schemas.microsoft.com/office/drawing/2014/main" id="{8377B4DA-5662-4000-8BC4-BF0974B1F20D}"/>
+              </a:ext>
+            </a:extLst>
+          </p:cNvPr>
+          <p:cNvSpPr>
+            <a:spLocks noGrp="1"/>
+          </p:cNvSpPr>
+          <p:nvPr>
+            <p:ph type="title"/>
+          </p:nvPr>
+        </p:nvSpPr>
+        <p:spPr>
+          <a:xfrm>
+            <a:off x="628650" y="365126"/>
+            <a:ext cx="7886700" cy="1325563"/>
+          </a:xfrm>
+        </p:spPr>
+        <p:txBody>
+          <a:bodyPr/>
+          <a:lstStyle/>
+          <a:p>
+            <a:pPr algn="ctr"/>
+            <a:r>
+              <a:rPr lang="en-US" b="1" dirty="0" err="1"/>
+              <a:t>Definitia</a:t>
+            </a:r>
+            <a:r>
+              <a:rPr lang="en-US" b="1" dirty="0"/>
+              <a:t> </a:t>
+            </a:r>
+            <a:r>
+              <a:rPr lang="en-US" b="1" dirty="0" err="1"/>
+              <a:t>modelului</a:t>
+            </a:r>
+            <a:r>
+              <a:rPr lang="en-US" b="1" dirty="0"/>
+              <a:t> ICA</a:t>
+            </a:r>
+          </a:p>
+        </p:txBody>
+      </p:sp>
     </p:spTree>
     <p:extLst>
       <p:ext uri="{BB962C8B-B14F-4D97-AF65-F5344CB8AC3E}">
-        <p14:creationId xmlns:p14="http://schemas.microsoft.com/office/powerpoint/2010/main" val="732429267"/>
+        <p14:creationId xmlns:p14="http://schemas.microsoft.com/office/powerpoint/2010/main" val="3878292504"/>
+      </p:ext>
+    </p:extLst>
+  </p:cSld>
+  <p:clrMapOvr>
+    <a:masterClrMapping/>
+  </p:clrMapOvr>
+</p:sld>
+</file>
+
+<file path=ppt/slides/slide5.xml><?xml version="1.0" encoding="utf-8"?>
+<p:sld xmlns:a="http://schemas.openxmlformats.org/drawingml/2006/main" xmlns:r="http://schemas.openxmlformats.org/officeDocument/2006/relationships" xmlns:p="http://schemas.openxmlformats.org/presentationml/2006/main">
+  <p:cSld>
+    <p:spTree>
+      <p:nvGrpSpPr>
+        <p:cNvPr id="1" name=""/>
+        <p:cNvGrpSpPr/>
+        <p:nvPr/>
+      </p:nvGrpSpPr>
+      <p:grpSpPr>
+        <a:xfrm>
+          <a:off x="0" y="0"/>
+          <a:ext cx="0" cy="0"/>
+          <a:chOff x="0" y="0"/>
+          <a:chExt cx="0" cy="0"/>
+        </a:xfrm>
+      </p:grpSpPr>
+      <p:grpSp>
+        <p:nvGrpSpPr>
+          <p:cNvPr id="4" name="Group 3"/>
+          <p:cNvGrpSpPr/>
+          <p:nvPr/>
+        </p:nvGrpSpPr>
+        <p:grpSpPr>
+          <a:xfrm>
+            <a:off x="8460432" y="6237312"/>
+            <a:ext cx="216000" cy="216000"/>
+            <a:chOff x="2772000" y="1932221"/>
+            <a:chExt cx="2340000" cy="2340000"/>
+          </a:xfrm>
+        </p:grpSpPr>
+        <p:sp>
+          <p:nvSpPr>
+            <p:cNvPr id="5" name="Rectangle 4"/>
+            <p:cNvSpPr/>
+            <p:nvPr/>
+          </p:nvSpPr>
+          <p:spPr>
+            <a:xfrm>
+              <a:off x="2772000" y="1932221"/>
+              <a:ext cx="2340000" cy="2340000"/>
+            </a:xfrm>
+            <a:prstGeom prst="rect">
+              <a:avLst/>
+            </a:prstGeom>
+            <a:solidFill>
+              <a:schemeClr val="bg1">
+                <a:lumMod val="75000"/>
+              </a:schemeClr>
+            </a:solidFill>
+            <a:ln>
+              <a:noFill/>
+            </a:ln>
+          </p:spPr>
+          <p:style>
+            <a:lnRef idx="2">
+              <a:schemeClr val="accent1">
+                <a:shade val="50000"/>
+              </a:schemeClr>
+            </a:lnRef>
+            <a:fillRef idx="1">
+              <a:schemeClr val="accent1"/>
+            </a:fillRef>
+            <a:effectRef idx="0">
+              <a:schemeClr val="accent1"/>
+            </a:effectRef>
+            <a:fontRef idx="minor">
+              <a:schemeClr val="lt1"/>
+            </a:fontRef>
+          </p:style>
+          <p:txBody>
+            <a:bodyPr rtlCol="0" anchor="ctr"/>
+            <a:lstStyle/>
+            <a:p>
+              <a:pPr marL="0" marR="0" lvl="0" indent="0" algn="ctr" defTabSz="914400" rtl="0" eaLnBrk="1" fontAlgn="auto" latinLnBrk="0" hangingPunct="1">
+                <a:lnSpc>
+                  <a:spcPct val="100000"/>
+                </a:lnSpc>
+                <a:spcBef>
+                  <a:spcPts val="0"/>
+                </a:spcBef>
+                <a:spcAft>
+                  <a:spcPts val="0"/>
+                </a:spcAft>
+                <a:buClrTx/>
+                <a:buSzTx/>
+                <a:buFontTx/>
+                <a:buNone/>
+                <a:tabLst/>
+                <a:defRPr/>
+              </a:pPr>
+              <a:endParaRPr kumimoji="0" lang="en-US" sz="1800" b="0" i="0" u="none" strike="noStrike" kern="1200" cap="none" spc="0" normalizeH="0" baseline="0" noProof="0">
+                <a:ln>
+                  <a:solidFill>
+                    <a:srgbClr val="E7E6E6">
+                      <a:lumMod val="75000"/>
+                    </a:srgbClr>
+                  </a:solidFill>
+                </a:ln>
+                <a:solidFill>
+                  <a:prstClr val="black"/>
+                </a:solidFill>
+                <a:effectLst/>
+                <a:uLnTx/>
+                <a:uFillTx/>
+                <a:latin typeface="Calibri" panose="020F0502020204030204"/>
+                <a:ea typeface="+mn-ea"/>
+                <a:cs typeface="+mn-cs"/>
+              </a:endParaRPr>
+            </a:p>
+          </p:txBody>
+        </p:sp>
+        <p:sp>
+          <p:nvSpPr>
+            <p:cNvPr id="6" name="Rectangle 5"/>
+            <p:cNvSpPr/>
+            <p:nvPr/>
+          </p:nvSpPr>
+          <p:spPr>
+            <a:xfrm>
+              <a:off x="3546000" y="2706221"/>
+              <a:ext cx="792000" cy="792000"/>
+            </a:xfrm>
+            <a:prstGeom prst="rect">
+              <a:avLst/>
+            </a:prstGeom>
+            <a:solidFill>
+              <a:schemeClr val="bg1"/>
+            </a:solidFill>
+            <a:ln>
+              <a:noFill/>
+            </a:ln>
+          </p:spPr>
+          <p:style>
+            <a:lnRef idx="2">
+              <a:schemeClr val="accent1">
+                <a:shade val="50000"/>
+              </a:schemeClr>
+            </a:lnRef>
+            <a:fillRef idx="1">
+              <a:schemeClr val="accent1"/>
+            </a:fillRef>
+            <a:effectRef idx="0">
+              <a:schemeClr val="accent1"/>
+            </a:effectRef>
+            <a:fontRef idx="minor">
+              <a:schemeClr val="lt1"/>
+            </a:fontRef>
+          </p:style>
+          <p:txBody>
+            <a:bodyPr rtlCol="0" anchor="ctr"/>
+            <a:lstStyle/>
+            <a:p>
+              <a:pPr marL="0" marR="0" lvl="0" indent="0" algn="ctr" defTabSz="914400" rtl="0" eaLnBrk="1" fontAlgn="auto" latinLnBrk="0" hangingPunct="1">
+                <a:lnSpc>
+                  <a:spcPct val="100000"/>
+                </a:lnSpc>
+                <a:spcBef>
+                  <a:spcPts val="0"/>
+                </a:spcBef>
+                <a:spcAft>
+                  <a:spcPts val="0"/>
+                </a:spcAft>
+                <a:buClrTx/>
+                <a:buSzTx/>
+                <a:buFontTx/>
+                <a:buNone/>
+                <a:tabLst/>
+                <a:defRPr/>
+              </a:pPr>
+              <a:endParaRPr kumimoji="0" lang="en-US" sz="1800" b="0" i="0" u="none" strike="noStrike" kern="1200" cap="none" spc="0" normalizeH="0" baseline="0" noProof="0">
+                <a:ln>
+                  <a:solidFill>
+                    <a:srgbClr val="E7E6E6">
+                      <a:lumMod val="75000"/>
+                    </a:srgbClr>
+                  </a:solidFill>
+                </a:ln>
+                <a:solidFill>
+                  <a:prstClr val="black"/>
+                </a:solidFill>
+                <a:effectLst/>
+                <a:uLnTx/>
+                <a:uFillTx/>
+                <a:latin typeface="Calibri" panose="020F0502020204030204"/>
+                <a:ea typeface="+mn-ea"/>
+                <a:cs typeface="+mn-cs"/>
+              </a:endParaRPr>
+            </a:p>
+          </p:txBody>
+        </p:sp>
+      </p:grpSp>
+      <p:pic>
+        <p:nvPicPr>
+          <p:cNvPr id="8" name="Picture 7"/>
+          <p:cNvPicPr>
+            <a:picLocks noChangeAspect="1"/>
+          </p:cNvPicPr>
+          <p:nvPr/>
+        </p:nvPicPr>
+        <p:blipFill>
+          <a:blip r:embed="rId2" cstate="print">
+            <a:extLst>
+              <a:ext uri="{28A0092B-C50C-407E-A947-70E740481C1C}">
+                <a14:useLocalDpi xmlns:a14="http://schemas.microsoft.com/office/drawing/2010/main" val="0"/>
+              </a:ext>
+            </a:extLst>
+          </a:blip>
+          <a:stretch>
+            <a:fillRect/>
+          </a:stretch>
+        </p:blipFill>
+        <p:spPr>
+          <a:xfrm>
+            <a:off x="359532" y="377509"/>
+            <a:ext cx="1188132" cy="459203"/>
+          </a:xfrm>
+          <a:prstGeom prst="rect">
+            <a:avLst/>
+          </a:prstGeom>
+        </p:spPr>
+      </p:pic>
+      <mc:AlternateContent xmlns:mc="http://schemas.openxmlformats.org/markup-compatibility/2006">
+        <mc:Choice xmlns:a14="http://schemas.microsoft.com/office/drawing/2010/main" Requires="a14">
+          <p:sp>
+            <p:nvSpPr>
+              <p:cNvPr id="7" name="TextBox 6">
+                <a:extLst>
+                  <a:ext uri="{FF2B5EF4-FFF2-40B4-BE49-F238E27FC236}">
+                    <a16:creationId xmlns:a16="http://schemas.microsoft.com/office/drawing/2014/main" id="{24679E17-82C8-44BA-85DF-3C2F34A5707F}"/>
+                  </a:ext>
+                </a:extLst>
+              </p:cNvPr>
+              <p:cNvSpPr txBox="1"/>
+              <p:nvPr/>
+            </p:nvSpPr>
+            <p:spPr>
+              <a:xfrm>
+                <a:off x="540114" y="1448780"/>
+                <a:ext cx="8064872" cy="3970318"/>
+              </a:xfrm>
+              <a:prstGeom prst="rect">
+                <a:avLst/>
+              </a:prstGeom>
+              <a:noFill/>
+            </p:spPr>
+            <p:txBody>
+              <a:bodyPr wrap="square" rtlCol="0">
+                <a:spAutoFit/>
+              </a:bodyPr>
+              <a:lstStyle/>
+              <a:p>
+                <a:pPr marL="342900" indent="-342900" algn="just">
+                  <a:buBlip>
+                    <a:blip r:embed="rId3">
+                      <a:extLst/>
+                    </a:blip>
+                  </a:buBlip>
+                </a:pPr>
+                <a:r>
+                  <a:rPr lang="en-US" sz="2400" b="1" dirty="0">
+                    <a:latin typeface="UT Sans" panose="00000500000000000000" pitchFamily="50" charset="0"/>
+                  </a:rPr>
+                  <a:t>Estimation of maximum likelihood </a:t>
+                </a:r>
+                <a:r>
+                  <a:rPr lang="en-US" sz="2400" dirty="0" err="1">
+                    <a:latin typeface="UT Sans" panose="00000500000000000000" pitchFamily="50" charset="0"/>
+                  </a:rPr>
+                  <a:t>este</a:t>
+                </a:r>
+                <a:r>
+                  <a:rPr lang="en-US" sz="2400" dirty="0">
+                    <a:latin typeface="UT Sans" panose="00000500000000000000" pitchFamily="50" charset="0"/>
+                  </a:rPr>
+                  <a:t> o </a:t>
+                </a:r>
+                <a:r>
+                  <a:rPr lang="en-US" sz="2400" dirty="0" err="1">
+                    <a:latin typeface="UT Sans" panose="00000500000000000000" pitchFamily="50" charset="0"/>
+                  </a:rPr>
+                  <a:t>metoda</a:t>
+                </a:r>
+                <a:r>
+                  <a:rPr lang="en-US" sz="2400" dirty="0">
+                    <a:latin typeface="UT Sans" panose="00000500000000000000" pitchFamily="50" charset="0"/>
+                  </a:rPr>
+                  <a:t> de a </a:t>
+                </a:r>
+                <a:r>
+                  <a:rPr lang="en-US" sz="2400" dirty="0" err="1">
+                    <a:latin typeface="UT Sans" panose="00000500000000000000" pitchFamily="50" charset="0"/>
+                  </a:rPr>
+                  <a:t>aproxima</a:t>
+                </a:r>
+                <a:r>
+                  <a:rPr lang="en-US" sz="2400" dirty="0">
+                    <a:latin typeface="UT Sans" panose="00000500000000000000" pitchFamily="50" charset="0"/>
+                  </a:rPr>
+                  <a:t> </a:t>
+                </a:r>
+                <a:r>
+                  <a:rPr lang="en-US" sz="2400" dirty="0" err="1">
+                    <a:latin typeface="UT Sans" panose="00000500000000000000" pitchFamily="50" charset="0"/>
+                  </a:rPr>
+                  <a:t>modelul</a:t>
+                </a:r>
+                <a:r>
+                  <a:rPr lang="en-US" sz="2400" dirty="0">
+                    <a:latin typeface="UT Sans" panose="00000500000000000000" pitchFamily="50" charset="0"/>
+                  </a:rPr>
+                  <a:t> ICA. </a:t>
+                </a:r>
+                <a:r>
+                  <a:rPr lang="en-US" sz="2400" dirty="0" err="1">
+                    <a:latin typeface="UT Sans" panose="00000500000000000000" pitchFamily="50" charset="0"/>
+                  </a:rPr>
+                  <a:t>Problema</a:t>
+                </a:r>
+                <a:r>
+                  <a:rPr lang="en-US" sz="2400" dirty="0">
+                    <a:latin typeface="UT Sans" panose="00000500000000000000" pitchFamily="50" charset="0"/>
+                  </a:rPr>
+                  <a:t> </a:t>
+                </a:r>
+                <a:r>
+                  <a:rPr lang="en-US" sz="2400" dirty="0" err="1">
+                    <a:latin typeface="UT Sans" panose="00000500000000000000" pitchFamily="50" charset="0"/>
+                  </a:rPr>
+                  <a:t>este</a:t>
+                </a:r>
+                <a:r>
+                  <a:rPr lang="en-US" sz="2400" dirty="0">
+                    <a:latin typeface="UT Sans" panose="00000500000000000000" pitchFamily="50" charset="0"/>
+                  </a:rPr>
+                  <a:t> </a:t>
+                </a:r>
+                <a:r>
+                  <a:rPr lang="en-US" sz="2400" dirty="0" err="1">
+                    <a:latin typeface="UT Sans" panose="00000500000000000000" pitchFamily="50" charset="0"/>
+                  </a:rPr>
+                  <a:t>formulata</a:t>
+                </a:r>
+                <a:r>
+                  <a:rPr lang="en-US" sz="2400" dirty="0">
+                    <a:latin typeface="UT Sans" panose="00000500000000000000" pitchFamily="50" charset="0"/>
+                  </a:rPr>
+                  <a:t> ca </a:t>
+                </a:r>
+                <a:r>
+                  <a:rPr lang="en-US" sz="2400" dirty="0" err="1">
+                    <a:latin typeface="UT Sans" panose="00000500000000000000" pitchFamily="50" charset="0"/>
+                  </a:rPr>
+                  <a:t>probabilitate</a:t>
+                </a:r>
+                <a:r>
+                  <a:rPr lang="en-US" sz="2400" dirty="0">
+                    <a:latin typeface="UT Sans" panose="00000500000000000000" pitchFamily="50" charset="0"/>
+                  </a:rPr>
+                  <a:t> in </a:t>
+                </a:r>
+                <a:r>
+                  <a:rPr lang="en-US" sz="2400" dirty="0" err="1">
+                    <a:latin typeface="UT Sans" panose="00000500000000000000" pitchFamily="50" charset="0"/>
+                  </a:rPr>
+                  <a:t>modelul</a:t>
+                </a:r>
+                <a:r>
+                  <a:rPr lang="en-US" sz="2400" dirty="0">
+                    <a:latin typeface="UT Sans" panose="00000500000000000000" pitchFamily="50" charset="0"/>
+                  </a:rPr>
+                  <a:t> ICA </a:t>
+                </a:r>
+                <a:r>
+                  <a:rPr lang="en-US" sz="2400" dirty="0" err="1">
+                    <a:latin typeface="UT Sans" panose="00000500000000000000" pitchFamily="50" charset="0"/>
+                  </a:rPr>
+                  <a:t>si</a:t>
+                </a:r>
+                <a:r>
+                  <a:rPr lang="en-US" sz="2400" dirty="0">
+                    <a:latin typeface="UT Sans" panose="00000500000000000000" pitchFamily="50" charset="0"/>
+                  </a:rPr>
+                  <a:t> </a:t>
+                </a:r>
+                <a:r>
+                  <a:rPr lang="en-US" sz="2400" dirty="0" err="1">
+                    <a:latin typeface="UT Sans" panose="00000500000000000000" pitchFamily="50" charset="0"/>
+                  </a:rPr>
+                  <a:t>apoi</a:t>
+                </a:r>
+                <a:r>
+                  <a:rPr lang="en-US" sz="2400" dirty="0">
+                    <a:latin typeface="UT Sans" panose="00000500000000000000" pitchFamily="50" charset="0"/>
+                  </a:rPr>
+                  <a:t> </a:t>
+                </a:r>
+                <a:r>
+                  <a:rPr lang="en-US" sz="2400" dirty="0" err="1">
+                    <a:latin typeface="UT Sans" panose="00000500000000000000" pitchFamily="50" charset="0"/>
+                  </a:rPr>
+                  <a:t>modelul</a:t>
+                </a:r>
+                <a:r>
+                  <a:rPr lang="en-US" sz="2400" dirty="0">
+                    <a:latin typeface="UT Sans" panose="00000500000000000000" pitchFamily="50" charset="0"/>
+                  </a:rPr>
+                  <a:t> </a:t>
+                </a:r>
+                <a:r>
+                  <a:rPr lang="en-US" sz="2400" dirty="0" err="1">
+                    <a:latin typeface="UT Sans" panose="00000500000000000000" pitchFamily="50" charset="0"/>
+                  </a:rPr>
+                  <a:t>este</a:t>
+                </a:r>
+                <a:r>
+                  <a:rPr lang="en-US" sz="2400" dirty="0">
+                    <a:latin typeface="UT Sans" panose="00000500000000000000" pitchFamily="50" charset="0"/>
+                  </a:rPr>
+                  <a:t> </a:t>
+                </a:r>
+                <a:r>
+                  <a:rPr lang="en-US" sz="2400" dirty="0" err="1">
+                    <a:latin typeface="UT Sans" panose="00000500000000000000" pitchFamily="50" charset="0"/>
+                  </a:rPr>
+                  <a:t>estimat</a:t>
+                </a:r>
+                <a:r>
+                  <a:rPr lang="en-US" sz="2400" dirty="0">
+                    <a:latin typeface="UT Sans" panose="00000500000000000000" pitchFamily="50" charset="0"/>
+                  </a:rPr>
+                  <a:t> </a:t>
+                </a:r>
+                <a:r>
+                  <a:rPr lang="en-US" sz="2400" dirty="0" err="1">
+                    <a:latin typeface="UT Sans" panose="00000500000000000000" pitchFamily="50" charset="0"/>
+                  </a:rPr>
+                  <a:t>printr</a:t>
+                </a:r>
+                <a:r>
+                  <a:rPr lang="en-US" sz="2400" dirty="0">
+                    <a:latin typeface="UT Sans" panose="00000500000000000000" pitchFamily="50" charset="0"/>
+                  </a:rPr>
+                  <a:t>-o </a:t>
+                </a:r>
+                <a:r>
+                  <a:rPr lang="en-US" sz="2400" dirty="0" err="1">
+                    <a:latin typeface="UT Sans" panose="00000500000000000000" pitchFamily="50" charset="0"/>
+                  </a:rPr>
+                  <a:t>metoda</a:t>
+                </a:r>
+                <a:r>
+                  <a:rPr lang="en-US" sz="2400" dirty="0">
+                    <a:latin typeface="UT Sans" panose="00000500000000000000" pitchFamily="50" charset="0"/>
+                  </a:rPr>
+                  <a:t> de </a:t>
+                </a:r>
+                <a:r>
+                  <a:rPr lang="en-US" sz="2400" dirty="0" err="1">
+                    <a:latin typeface="UT Sans" panose="00000500000000000000" pitchFamily="50" charset="0"/>
+                  </a:rPr>
+                  <a:t>probabilitate</a:t>
+                </a:r>
+                <a:r>
+                  <a:rPr lang="en-US" sz="2400" dirty="0">
+                    <a:latin typeface="UT Sans" panose="00000500000000000000" pitchFamily="50" charset="0"/>
+                  </a:rPr>
+                  <a:t> maxima (maximum likelihood). Sub presupunerea ca </a:t>
+                </a:r>
+                <a14:m>
+                  <m:oMath xmlns:m="http://schemas.openxmlformats.org/officeDocument/2006/math">
+                    <m:r>
+                      <a:rPr lang="en-US" sz="2400" i="1">
+                        <a:latin typeface="Cambria Math" panose="02040503050406030204" pitchFamily="18" charset="0"/>
+                      </a:rPr>
+                      <m:t>𝑊</m:t>
+                    </m:r>
+                    <m:r>
+                      <a:rPr lang="en-US" sz="2400" i="1">
+                        <a:latin typeface="Cambria Math" panose="02040503050406030204" pitchFamily="18" charset="0"/>
+                      </a:rPr>
+                      <m:t>=</m:t>
+                    </m:r>
+                    <m:sSup>
+                      <m:sSupPr>
+                        <m:ctrlPr>
+                          <a:rPr lang="en-US" sz="2400" i="1">
+                            <a:latin typeface="Cambria Math" panose="02040503050406030204" pitchFamily="18" charset="0"/>
+                          </a:rPr>
+                        </m:ctrlPr>
+                      </m:sSupPr>
+                      <m:e>
+                        <m:r>
+                          <a:rPr lang="en-US" sz="2400" i="1">
+                            <a:latin typeface="Cambria Math" panose="02040503050406030204" pitchFamily="18" charset="0"/>
+                          </a:rPr>
+                          <m:t>𝐴</m:t>
+                        </m:r>
+                      </m:e>
+                      <m:sup>
+                        <m:r>
+                          <a:rPr lang="en-US" sz="2400" i="1">
+                            <a:latin typeface="Cambria Math" panose="02040503050406030204" pitchFamily="18" charset="0"/>
+                          </a:rPr>
+                          <m:t>−1</m:t>
+                        </m:r>
+                      </m:sup>
+                    </m:sSup>
+                  </m:oMath>
+                </a14:m>
+                <a:r>
+                  <a:rPr lang="en-US" sz="2400" dirty="0">
+                    <a:latin typeface="UT Sans" panose="00000500000000000000" pitchFamily="50" charset="0"/>
+                  </a:rPr>
+                  <a:t>, </a:t>
+                </a:r>
+                <a:r>
+                  <a:rPr lang="en-US" sz="2400" dirty="0" err="1">
+                    <a:latin typeface="UT Sans" panose="00000500000000000000" pitchFamily="50" charset="0"/>
+                  </a:rPr>
+                  <a:t>expandam</a:t>
+                </a:r>
+                <a:r>
+                  <a:rPr lang="en-US" sz="2400" dirty="0">
+                    <a:latin typeface="UT Sans" panose="00000500000000000000" pitchFamily="50" charset="0"/>
+                  </a:rPr>
+                  <a:t> </a:t>
+                </a:r>
+                <a14:m>
+                  <m:oMath xmlns:m="http://schemas.openxmlformats.org/officeDocument/2006/math">
+                    <m:r>
+                      <a:rPr lang="en-US" sz="2400" i="1">
+                        <a:latin typeface="Cambria Math" panose="02040503050406030204" pitchFamily="18" charset="0"/>
+                      </a:rPr>
+                      <m:t>𝑊</m:t>
+                    </m:r>
+                    <m:r>
+                      <a:rPr lang="en-US" sz="2400" i="1">
+                        <a:latin typeface="Cambria Math" panose="02040503050406030204" pitchFamily="18" charset="0"/>
+                      </a:rPr>
+                      <m:t>=</m:t>
+                    </m:r>
+                    <m:sSup>
+                      <m:sSupPr>
+                        <m:ctrlPr>
+                          <a:rPr lang="en-US" sz="2400" i="1">
+                            <a:latin typeface="Cambria Math" panose="02040503050406030204" pitchFamily="18" charset="0"/>
+                          </a:rPr>
+                        </m:ctrlPr>
+                      </m:sSupPr>
+                      <m:e>
+                        <m:r>
+                          <a:rPr lang="en-US" sz="2400" i="1">
+                            <a:latin typeface="Cambria Math" panose="02040503050406030204" pitchFamily="18" charset="0"/>
+                          </a:rPr>
+                          <m:t>(</m:t>
+                        </m:r>
+                        <m:sSub>
+                          <m:sSubPr>
+                            <m:ctrlPr>
+                              <a:rPr lang="en-US" sz="2400" i="1">
+                                <a:latin typeface="Cambria Math" panose="02040503050406030204" pitchFamily="18" charset="0"/>
+                              </a:rPr>
+                            </m:ctrlPr>
+                          </m:sSubPr>
+                          <m:e>
+                            <m:r>
+                              <a:rPr lang="en-US" sz="2400" i="1">
+                                <a:latin typeface="Cambria Math" panose="02040503050406030204" pitchFamily="18" charset="0"/>
+                              </a:rPr>
+                              <m:t>𝑤</m:t>
+                            </m:r>
+                          </m:e>
+                          <m:sub>
+                            <m:r>
+                              <a:rPr lang="en-US" sz="2400" i="1">
+                                <a:latin typeface="Cambria Math" panose="02040503050406030204" pitchFamily="18" charset="0"/>
+                              </a:rPr>
+                              <m:t>1</m:t>
+                            </m:r>
+                          </m:sub>
+                        </m:sSub>
+                        <m:r>
+                          <a:rPr lang="en-US" sz="2400" i="1">
+                            <a:latin typeface="Cambria Math" panose="02040503050406030204" pitchFamily="18" charset="0"/>
+                          </a:rPr>
+                          <m:t>,…,</m:t>
+                        </m:r>
+                        <m:sSub>
+                          <m:sSubPr>
+                            <m:ctrlPr>
+                              <a:rPr lang="en-US" sz="2400" i="1">
+                                <a:latin typeface="Cambria Math" panose="02040503050406030204" pitchFamily="18" charset="0"/>
+                              </a:rPr>
+                            </m:ctrlPr>
+                          </m:sSubPr>
+                          <m:e>
+                            <m:r>
+                              <a:rPr lang="en-US" sz="2400" i="1">
+                                <a:latin typeface="Cambria Math" panose="02040503050406030204" pitchFamily="18" charset="0"/>
+                              </a:rPr>
+                              <m:t>𝑤</m:t>
+                            </m:r>
+                          </m:e>
+                          <m:sub>
+                            <m:r>
+                              <a:rPr lang="en-US" sz="2400" i="1">
+                                <a:latin typeface="Cambria Math" panose="02040503050406030204" pitchFamily="18" charset="0"/>
+                              </a:rPr>
+                              <m:t>𝑛</m:t>
+                            </m:r>
+                          </m:sub>
+                        </m:sSub>
+                        <m:r>
+                          <a:rPr lang="en-US" sz="2400" i="1">
+                            <a:latin typeface="Cambria Math" panose="02040503050406030204" pitchFamily="18" charset="0"/>
+                          </a:rPr>
+                          <m:t>)</m:t>
+                        </m:r>
+                      </m:e>
+                      <m:sup>
+                        <m:r>
+                          <a:rPr lang="en-US" sz="2400" i="1">
+                            <a:latin typeface="Cambria Math" panose="02040503050406030204" pitchFamily="18" charset="0"/>
+                          </a:rPr>
+                          <m:t>𝑇</m:t>
+                        </m:r>
+                      </m:sup>
+                    </m:sSup>
+                  </m:oMath>
+                </a14:m>
+                <a:r>
+                  <a:rPr lang="en-US" sz="2400" dirty="0">
+                    <a:latin typeface="UT Sans" panose="00000500000000000000" pitchFamily="50" charset="0"/>
+                  </a:rPr>
+                  <a:t>. </a:t>
+                </a:r>
+                <a:r>
+                  <a:rPr lang="en-US" sz="2400" dirty="0" err="1">
+                    <a:latin typeface="UT Sans" panose="00000500000000000000" pitchFamily="50" charset="0"/>
+                  </a:rPr>
+                  <a:t>Atunci</a:t>
+                </a:r>
+                <a:r>
+                  <a:rPr lang="en-US" sz="2400" dirty="0">
+                    <a:latin typeface="UT Sans" panose="00000500000000000000" pitchFamily="50" charset="0"/>
+                  </a:rPr>
+                  <a:t> log-likelihood-ul </a:t>
+                </a:r>
+                <a:r>
+                  <a:rPr lang="en-US" sz="2400" dirty="0" err="1">
+                    <a:latin typeface="UT Sans" panose="00000500000000000000" pitchFamily="50" charset="0"/>
+                  </a:rPr>
+                  <a:t>ia</a:t>
+                </a:r>
+                <a:r>
+                  <a:rPr lang="en-US" sz="2400" dirty="0">
+                    <a:latin typeface="UT Sans" panose="00000500000000000000" pitchFamily="50" charset="0"/>
+                  </a:rPr>
+                  <a:t> forma:</a:t>
+                </a:r>
+              </a:p>
+              <a:p>
+                <a:pPr marL="342900" indent="-342900" algn="just">
+                  <a:buBlip>
+                    <a:blip r:embed="rId3">
+                      <a:extLst/>
+                    </a:blip>
+                  </a:buBlip>
+                </a:pPr>
+                <a:endParaRPr lang="en-US" dirty="0">
+                  <a:latin typeface="UT Sans" panose="00000500000000000000" pitchFamily="50" charset="0"/>
+                </a:endParaRPr>
+              </a:p>
+              <a:p>
+                <a:pPr algn="just"/>
+                <a:endParaRPr lang="en-US" dirty="0">
+                  <a:latin typeface="UT Sans" panose="00000500000000000000" pitchFamily="50" charset="0"/>
+                </a:endParaRPr>
+              </a:p>
+              <a:p>
+                <a:pPr algn="just"/>
+                <a:endParaRPr lang="en-US" dirty="0">
+                  <a:latin typeface="UT Sans" panose="00000500000000000000" pitchFamily="50" charset="0"/>
+                </a:endParaRPr>
+              </a:p>
+              <a:p>
+                <a:pPr algn="just"/>
+                <a:endParaRPr lang="en-US" dirty="0">
+                  <a:latin typeface="UT Sans" panose="00000500000000000000" pitchFamily="50" charset="0"/>
+                </a:endParaRPr>
+              </a:p>
+              <a:p>
+                <a:pPr algn="just"/>
+                <a:endParaRPr lang="en-US" dirty="0">
+                  <a:latin typeface="UT Sans" panose="00000500000000000000" pitchFamily="50" charset="0"/>
+                </a:endParaRPr>
+              </a:p>
+              <a:p>
+                <a:pPr marL="342900" lvl="0" indent="-342900" algn="just">
+                  <a:buBlip>
+                    <a:blip r:embed="rId3">
+                      <a:extLst/>
+                    </a:blip>
+                  </a:buBlip>
+                </a:pPr>
+                <a:endParaRPr kumimoji="0" lang="ro-RO" b="1" i="0" u="none" strike="noStrike" kern="1200" cap="none" spc="0" normalizeH="0" baseline="0" noProof="0" dirty="0">
+                  <a:ln>
+                    <a:noFill/>
+                  </a:ln>
+                  <a:solidFill>
+                    <a:prstClr val="black"/>
+                  </a:solidFill>
+                  <a:effectLst/>
+                  <a:uLnTx/>
+                  <a:uFillTx/>
+                  <a:latin typeface="UT Sans" pitchFamily="50" charset="0"/>
+                </a:endParaRPr>
+              </a:p>
+            </p:txBody>
+          </p:sp>
+        </mc:Choice>
+        <mc:Fallback>
+          <p:sp>
+            <p:nvSpPr>
+              <p:cNvPr id="7" name="TextBox 6">
+                <a:extLst>
+                  <a:ext uri="{FF2B5EF4-FFF2-40B4-BE49-F238E27FC236}">
+                    <a16:creationId xmlns:a16="http://schemas.microsoft.com/office/drawing/2014/main" id="{24679E17-82C8-44BA-85DF-3C2F34A5707F}"/>
+                  </a:ext>
+                </a:extLst>
+              </p:cNvPr>
+              <p:cNvSpPr txBox="1">
+                <a:spLocks noRot="1" noChangeAspect="1" noMove="1" noResize="1" noEditPoints="1" noAdjustHandles="1" noChangeArrowheads="1" noChangeShapeType="1" noTextEdit="1"/>
+              </p:cNvSpPr>
+              <p:nvPr/>
+            </p:nvSpPr>
+            <p:spPr>
+              <a:xfrm>
+                <a:off x="540114" y="1448780"/>
+                <a:ext cx="8064872" cy="3970318"/>
+              </a:xfrm>
+              <a:prstGeom prst="rect">
+                <a:avLst/>
+              </a:prstGeom>
+              <a:blipFill>
+                <a:blip r:embed="rId4"/>
+                <a:stretch>
+                  <a:fillRect t="-1229" r="-1134"/>
+                </a:stretch>
+              </a:blipFill>
+            </p:spPr>
+            <p:txBody>
+              <a:bodyPr/>
+              <a:lstStyle/>
+              <a:p>
+                <a:r>
+                  <a:rPr lang="en-US">
+                    <a:noFill/>
+                  </a:rPr>
+                  <a:t> </a:t>
+                </a:r>
+              </a:p>
+            </p:txBody>
+          </p:sp>
+        </mc:Fallback>
+      </mc:AlternateContent>
+      <p:sp>
+        <p:nvSpPr>
+          <p:cNvPr id="9" name="Title 1">
+            <a:extLst>
+              <a:ext uri="{FF2B5EF4-FFF2-40B4-BE49-F238E27FC236}">
+                <a16:creationId xmlns:a16="http://schemas.microsoft.com/office/drawing/2014/main" id="{8377B4DA-5662-4000-8BC4-BF0974B1F20D}"/>
+              </a:ext>
+            </a:extLst>
+          </p:cNvPr>
+          <p:cNvSpPr>
+            <a:spLocks noGrp="1"/>
+          </p:cNvSpPr>
+          <p:nvPr>
+            <p:ph type="title"/>
+          </p:nvPr>
+        </p:nvSpPr>
+        <p:spPr>
+          <a:xfrm>
+            <a:off x="628650" y="365126"/>
+            <a:ext cx="7886700" cy="1325563"/>
+          </a:xfrm>
+        </p:spPr>
+        <p:txBody>
+          <a:bodyPr/>
+          <a:lstStyle/>
+          <a:p>
+            <a:pPr algn="ctr"/>
+            <a:r>
+              <a:rPr lang="en-US" b="1" dirty="0"/>
+              <a:t>Maximum likelihood</a:t>
+            </a:r>
+          </a:p>
+        </p:txBody>
+      </p:sp>
+      <p:pic>
+        <p:nvPicPr>
+          <p:cNvPr id="2" name="Picture 1">
+            <a:extLst>
+              <a:ext uri="{FF2B5EF4-FFF2-40B4-BE49-F238E27FC236}">
+                <a16:creationId xmlns:a16="http://schemas.microsoft.com/office/drawing/2014/main" id="{B419BE02-FA45-45CB-8C85-B27EBD6276BF}"/>
+              </a:ext>
+            </a:extLst>
+          </p:cNvPr>
+          <p:cNvPicPr>
+            <a:picLocks noChangeAspect="1"/>
+          </p:cNvPicPr>
+          <p:nvPr/>
+        </p:nvPicPr>
+        <p:blipFill>
+          <a:blip r:embed="rId5"/>
+          <a:stretch>
+            <a:fillRect/>
+          </a:stretch>
+        </p:blipFill>
+        <p:spPr>
+          <a:xfrm>
+            <a:off x="1140440" y="4365104"/>
+            <a:ext cx="6863119" cy="1325563"/>
+          </a:xfrm>
+          <a:prstGeom prst="rect">
+            <a:avLst/>
+          </a:prstGeom>
+        </p:spPr>
+      </p:pic>
+    </p:spTree>
+    <p:extLst>
+      <p:ext uri="{BB962C8B-B14F-4D97-AF65-F5344CB8AC3E}">
+        <p14:creationId xmlns:p14="http://schemas.microsoft.com/office/powerpoint/2010/main" val="3836808770"/>
+      </p:ext>
+    </p:extLst>
+  </p:cSld>
+  <p:clrMapOvr>
+    <a:masterClrMapping/>
+  </p:clrMapOvr>
+</p:sld>
+</file>
+
+<file path=ppt/slides/slide6.xml><?xml version="1.0" encoding="utf-8"?>
+<p:sld xmlns:a="http://schemas.openxmlformats.org/drawingml/2006/main" xmlns:r="http://schemas.openxmlformats.org/officeDocument/2006/relationships" xmlns:p="http://schemas.openxmlformats.org/presentationml/2006/main">
+  <p:cSld>
+    <p:spTree>
+      <p:nvGrpSpPr>
+        <p:cNvPr id="1" name=""/>
+        <p:cNvGrpSpPr/>
+        <p:nvPr/>
+      </p:nvGrpSpPr>
+      <p:grpSpPr>
+        <a:xfrm>
+          <a:off x="0" y="0"/>
+          <a:ext cx="0" cy="0"/>
+          <a:chOff x="0" y="0"/>
+          <a:chExt cx="0" cy="0"/>
+        </a:xfrm>
+      </p:grpSpPr>
+      <p:grpSp>
+        <p:nvGrpSpPr>
+          <p:cNvPr id="4" name="Group 3"/>
+          <p:cNvGrpSpPr/>
+          <p:nvPr/>
+        </p:nvGrpSpPr>
+        <p:grpSpPr>
+          <a:xfrm>
+            <a:off x="8460432" y="6237312"/>
+            <a:ext cx="216000" cy="216000"/>
+            <a:chOff x="2772000" y="1932221"/>
+            <a:chExt cx="2340000" cy="2340000"/>
+          </a:xfrm>
+        </p:grpSpPr>
+        <p:sp>
+          <p:nvSpPr>
+            <p:cNvPr id="5" name="Rectangle 4"/>
+            <p:cNvSpPr/>
+            <p:nvPr/>
+          </p:nvSpPr>
+          <p:spPr>
+            <a:xfrm>
+              <a:off x="2772000" y="1932221"/>
+              <a:ext cx="2340000" cy="2340000"/>
+            </a:xfrm>
+            <a:prstGeom prst="rect">
+              <a:avLst/>
+            </a:prstGeom>
+            <a:solidFill>
+              <a:schemeClr val="bg1">
+                <a:lumMod val="75000"/>
+              </a:schemeClr>
+            </a:solidFill>
+            <a:ln>
+              <a:noFill/>
+            </a:ln>
+          </p:spPr>
+          <p:style>
+            <a:lnRef idx="2">
+              <a:schemeClr val="accent1">
+                <a:shade val="50000"/>
+              </a:schemeClr>
+            </a:lnRef>
+            <a:fillRef idx="1">
+              <a:schemeClr val="accent1"/>
+            </a:fillRef>
+            <a:effectRef idx="0">
+              <a:schemeClr val="accent1"/>
+            </a:effectRef>
+            <a:fontRef idx="minor">
+              <a:schemeClr val="lt1"/>
+            </a:fontRef>
+          </p:style>
+          <p:txBody>
+            <a:bodyPr rtlCol="0" anchor="ctr"/>
+            <a:lstStyle/>
+            <a:p>
+              <a:pPr marL="0" marR="0" lvl="0" indent="0" algn="ctr" defTabSz="914400" rtl="0" eaLnBrk="1" fontAlgn="auto" latinLnBrk="0" hangingPunct="1">
+                <a:lnSpc>
+                  <a:spcPct val="100000"/>
+                </a:lnSpc>
+                <a:spcBef>
+                  <a:spcPts val="0"/>
+                </a:spcBef>
+                <a:spcAft>
+                  <a:spcPts val="0"/>
+                </a:spcAft>
+                <a:buClrTx/>
+                <a:buSzTx/>
+                <a:buFontTx/>
+                <a:buNone/>
+                <a:tabLst/>
+                <a:defRPr/>
+              </a:pPr>
+              <a:endParaRPr kumimoji="0" lang="en-US" sz="1800" b="0" i="0" u="none" strike="noStrike" kern="1200" cap="none" spc="0" normalizeH="0" baseline="0" noProof="0">
+                <a:ln>
+                  <a:solidFill>
+                    <a:srgbClr val="E7E6E6">
+                      <a:lumMod val="75000"/>
+                    </a:srgbClr>
+                  </a:solidFill>
+                </a:ln>
+                <a:solidFill>
+                  <a:prstClr val="black"/>
+                </a:solidFill>
+                <a:effectLst/>
+                <a:uLnTx/>
+                <a:uFillTx/>
+                <a:latin typeface="Calibri" panose="020F0502020204030204"/>
+                <a:ea typeface="+mn-ea"/>
+                <a:cs typeface="+mn-cs"/>
+              </a:endParaRPr>
+            </a:p>
+          </p:txBody>
+        </p:sp>
+        <p:sp>
+          <p:nvSpPr>
+            <p:cNvPr id="6" name="Rectangle 5"/>
+            <p:cNvSpPr/>
+            <p:nvPr/>
+          </p:nvSpPr>
+          <p:spPr>
+            <a:xfrm>
+              <a:off x="3546000" y="2706221"/>
+              <a:ext cx="792000" cy="792000"/>
+            </a:xfrm>
+            <a:prstGeom prst="rect">
+              <a:avLst/>
+            </a:prstGeom>
+            <a:solidFill>
+              <a:schemeClr val="bg1"/>
+            </a:solidFill>
+            <a:ln>
+              <a:noFill/>
+            </a:ln>
+          </p:spPr>
+          <p:style>
+            <a:lnRef idx="2">
+              <a:schemeClr val="accent1">
+                <a:shade val="50000"/>
+              </a:schemeClr>
+            </a:lnRef>
+            <a:fillRef idx="1">
+              <a:schemeClr val="accent1"/>
+            </a:fillRef>
+            <a:effectRef idx="0">
+              <a:schemeClr val="accent1"/>
+            </a:effectRef>
+            <a:fontRef idx="minor">
+              <a:schemeClr val="lt1"/>
+            </a:fontRef>
+          </p:style>
+          <p:txBody>
+            <a:bodyPr rtlCol="0" anchor="ctr"/>
+            <a:lstStyle/>
+            <a:p>
+              <a:pPr marL="0" marR="0" lvl="0" indent="0" algn="ctr" defTabSz="914400" rtl="0" eaLnBrk="1" fontAlgn="auto" latinLnBrk="0" hangingPunct="1">
+                <a:lnSpc>
+                  <a:spcPct val="100000"/>
+                </a:lnSpc>
+                <a:spcBef>
+                  <a:spcPts val="0"/>
+                </a:spcBef>
+                <a:spcAft>
+                  <a:spcPts val="0"/>
+                </a:spcAft>
+                <a:buClrTx/>
+                <a:buSzTx/>
+                <a:buFontTx/>
+                <a:buNone/>
+                <a:tabLst/>
+                <a:defRPr/>
+              </a:pPr>
+              <a:endParaRPr kumimoji="0" lang="en-US" sz="1800" b="0" i="0" u="none" strike="noStrike" kern="1200" cap="none" spc="0" normalizeH="0" baseline="0" noProof="0">
+                <a:ln>
+                  <a:solidFill>
+                    <a:srgbClr val="E7E6E6">
+                      <a:lumMod val="75000"/>
+                    </a:srgbClr>
+                  </a:solidFill>
+                </a:ln>
+                <a:solidFill>
+                  <a:prstClr val="black"/>
+                </a:solidFill>
+                <a:effectLst/>
+                <a:uLnTx/>
+                <a:uFillTx/>
+                <a:latin typeface="Calibri" panose="020F0502020204030204"/>
+                <a:ea typeface="+mn-ea"/>
+                <a:cs typeface="+mn-cs"/>
+              </a:endParaRPr>
+            </a:p>
+          </p:txBody>
+        </p:sp>
+      </p:grpSp>
+      <p:pic>
+        <p:nvPicPr>
+          <p:cNvPr id="8" name="Picture 7"/>
+          <p:cNvPicPr>
+            <a:picLocks noChangeAspect="1"/>
+          </p:cNvPicPr>
+          <p:nvPr/>
+        </p:nvPicPr>
+        <p:blipFill>
+          <a:blip r:embed="rId2" cstate="print">
+            <a:extLst>
+              <a:ext uri="{28A0092B-C50C-407E-A947-70E740481C1C}">
+                <a14:useLocalDpi xmlns:a14="http://schemas.microsoft.com/office/drawing/2010/main" val="0"/>
+              </a:ext>
+            </a:extLst>
+          </a:blip>
+          <a:stretch>
+            <a:fillRect/>
+          </a:stretch>
+        </p:blipFill>
+        <p:spPr>
+          <a:xfrm>
+            <a:off x="359532" y="377509"/>
+            <a:ext cx="1188132" cy="459203"/>
+          </a:xfrm>
+          <a:prstGeom prst="rect">
+            <a:avLst/>
+          </a:prstGeom>
+        </p:spPr>
+      </p:pic>
+      <mc:AlternateContent xmlns:mc="http://schemas.openxmlformats.org/markup-compatibility/2006" xmlns:a14="http://schemas.microsoft.com/office/drawing/2010/main">
+        <mc:Choice Requires="a14">
+          <p:sp>
+            <p:nvSpPr>
+              <p:cNvPr id="7" name="TextBox 6">
+                <a:extLst>
+                  <a:ext uri="{FF2B5EF4-FFF2-40B4-BE49-F238E27FC236}">
+                    <a16:creationId xmlns:a16="http://schemas.microsoft.com/office/drawing/2014/main" id="{24679E17-82C8-44BA-85DF-3C2F34A5707F}"/>
+                  </a:ext>
+                </a:extLst>
+              </p:cNvPr>
+              <p:cNvSpPr txBox="1"/>
+              <p:nvPr/>
+            </p:nvSpPr>
+            <p:spPr>
+              <a:xfrm>
+                <a:off x="540114" y="1956179"/>
+                <a:ext cx="8064872" cy="3154903"/>
+              </a:xfrm>
+              <a:prstGeom prst="rect">
+                <a:avLst/>
+              </a:prstGeom>
+              <a:noFill/>
+            </p:spPr>
+            <p:txBody>
+              <a:bodyPr wrap="square" rtlCol="0">
+                <a:spAutoFit/>
+              </a:bodyPr>
+              <a:lstStyle/>
+              <a:p>
+                <a:pPr marL="342900" lvl="0" indent="-342900" algn="just">
+                  <a:buBlip>
+                    <a:blip r:embed="rId3">
+                      <a:extLst/>
+                    </a:blip>
+                  </a:buBlip>
+                </a:pPr>
+                <a:r>
+                  <a:rPr lang="en-US" dirty="0" err="1">
+                    <a:latin typeface="UT Sans" panose="00000500000000000000" pitchFamily="50" charset="0"/>
+                  </a:rPr>
+                  <a:t>Functia</a:t>
+                </a:r>
+                <a:r>
+                  <a:rPr lang="en-US" dirty="0">
+                    <a:latin typeface="UT Sans" panose="00000500000000000000" pitchFamily="50" charset="0"/>
+                  </a:rPr>
+                  <a:t> de update:</a:t>
+                </a:r>
+              </a:p>
+              <a:p>
+                <a:pPr marL="342900" indent="-342900" algn="just">
+                  <a:buBlip>
+                    <a:blip r:embed="rId3">
+                      <a:extLst/>
+                    </a:blip>
+                  </a:buBlip>
+                </a:pPr>
+                <a:endParaRPr lang="en-US" b="1" dirty="0">
+                  <a:latin typeface="UT Sans" panose="00000500000000000000" pitchFamily="50" charset="0"/>
+                </a:endParaRPr>
+              </a:p>
+              <a:p>
+                <a:pPr marL="342900" indent="-342900" algn="just">
+                  <a:buBlip>
+                    <a:blip r:embed="rId3">
+                      <a:extLst/>
+                    </a:blip>
+                  </a:buBlip>
+                </a:pPr>
+                <a:endParaRPr lang="en-US" b="1" dirty="0">
+                  <a:latin typeface="UT Sans" panose="00000500000000000000" pitchFamily="50" charset="0"/>
+                </a:endParaRPr>
+              </a:p>
+              <a:p>
+                <a:pPr marL="342900" indent="-342900" algn="just">
+                  <a:buBlip>
+                    <a:blip r:embed="rId3">
+                      <a:extLst/>
+                    </a:blip>
+                  </a:buBlip>
+                </a:pPr>
+                <a:endParaRPr lang="en-US" b="1" dirty="0">
+                  <a:latin typeface="UT Sans" panose="00000500000000000000" pitchFamily="50" charset="0"/>
+                </a:endParaRPr>
+              </a:p>
+              <a:p>
+                <a:pPr marL="342900" indent="-342900" algn="just">
+                  <a:buBlip>
+                    <a:blip r:embed="rId3">
+                      <a:extLst/>
+                    </a:blip>
+                  </a:buBlip>
+                </a:pPr>
+                <a:endParaRPr lang="en-US" b="1" dirty="0">
+                  <a:latin typeface="UT Sans" panose="00000500000000000000" pitchFamily="50" charset="0"/>
+                </a:endParaRPr>
+              </a:p>
+              <a:p>
+                <a:pPr algn="just"/>
+                <a:endParaRPr lang="en-US" dirty="0">
+                  <a:latin typeface="UT Sans" panose="00000500000000000000" pitchFamily="50" charset="0"/>
+                </a:endParaRPr>
+              </a:p>
+              <a:p>
+                <a:pPr marL="342900" indent="-342900" algn="just">
+                  <a:buBlip>
+                    <a:blip r:embed="rId3">
+                      <a:extLst/>
+                    </a:blip>
+                  </a:buBlip>
+                </a:pPr>
+                <a:r>
+                  <a:rPr lang="en-US" dirty="0" err="1">
+                    <a:latin typeface="UT Sans" panose="00000500000000000000" pitchFamily="50" charset="0"/>
+                  </a:rPr>
+                  <a:t>Functia</a:t>
+                </a:r>
+                <a:r>
+                  <a:rPr lang="en-US" dirty="0">
+                    <a:latin typeface="UT Sans" panose="00000500000000000000" pitchFamily="50" charset="0"/>
+                  </a:rPr>
+                  <a:t> de </a:t>
+                </a:r>
+                <a:r>
+                  <a:rPr lang="en-US" dirty="0" err="1">
+                    <a:latin typeface="UT Sans" panose="00000500000000000000" pitchFamily="50" charset="0"/>
+                  </a:rPr>
+                  <a:t>densitate</a:t>
+                </a:r>
+                <a:r>
+                  <a:rPr lang="en-US" dirty="0">
+                    <a:latin typeface="UT Sans" panose="00000500000000000000" pitchFamily="50" charset="0"/>
+                  </a:rPr>
+                  <a:t>:</a:t>
+                </a:r>
+              </a:p>
+              <a:p>
+                <a:pPr algn="just"/>
+                <a14:m>
+                  <m:oMathPara xmlns:m="http://schemas.openxmlformats.org/officeDocument/2006/math">
+                    <m:oMathParaPr>
+                      <m:jc m:val="center"/>
+                    </m:oMathParaPr>
+                    <m:oMath xmlns:m="http://schemas.openxmlformats.org/officeDocument/2006/math">
+                      <m:sSub>
+                        <m:sSubPr>
+                          <m:ctrlPr>
+                            <a:rPr lang="en-US" i="1">
+                              <a:latin typeface="Cambria Math" panose="02040503050406030204" pitchFamily="18" charset="0"/>
+                            </a:rPr>
+                          </m:ctrlPr>
+                        </m:sSubPr>
+                        <m:e>
+                          <m:r>
+                            <a:rPr lang="en-US" i="1">
+                              <a:latin typeface="Cambria Math" panose="02040503050406030204" pitchFamily="18" charset="0"/>
+                            </a:rPr>
+                            <m:t>𝑔</m:t>
+                          </m:r>
+                        </m:e>
+                        <m:sub>
+                          <m:r>
+                            <a:rPr lang="en-US" i="1">
+                              <a:latin typeface="Cambria Math" panose="02040503050406030204" pitchFamily="18" charset="0"/>
+                            </a:rPr>
+                            <m:t>𝑖</m:t>
+                          </m:r>
+                        </m:sub>
+                      </m:sSub>
+                      <m:d>
+                        <m:dPr>
+                          <m:ctrlPr>
+                            <a:rPr lang="en-US" i="1">
+                              <a:latin typeface="Cambria Math" panose="02040503050406030204" pitchFamily="18" charset="0"/>
+                            </a:rPr>
+                          </m:ctrlPr>
+                        </m:dPr>
+                        <m:e>
+                          <m:r>
+                            <a:rPr lang="en-US" i="1">
+                              <a:latin typeface="Cambria Math" panose="02040503050406030204" pitchFamily="18" charset="0"/>
+                            </a:rPr>
+                            <m:t>𝑥</m:t>
+                          </m:r>
+                        </m:e>
+                      </m:d>
+                      <m:r>
+                        <a:rPr lang="en-US" i="1">
+                          <a:latin typeface="Cambria Math" panose="02040503050406030204" pitchFamily="18" charset="0"/>
+                        </a:rPr>
+                        <m:t>=</m:t>
+                      </m:r>
+                      <m:f>
+                        <m:fPr>
+                          <m:ctrlPr>
+                            <a:rPr lang="en-US" i="1">
+                              <a:latin typeface="Cambria Math" panose="02040503050406030204" pitchFamily="18" charset="0"/>
+                            </a:rPr>
+                          </m:ctrlPr>
+                        </m:fPr>
+                        <m:num>
+                          <m:r>
+                            <a:rPr lang="en-US" i="1">
+                              <a:latin typeface="Cambria Math" panose="02040503050406030204" pitchFamily="18" charset="0"/>
+                            </a:rPr>
+                            <m:t>1</m:t>
+                          </m:r>
+                        </m:num>
+                        <m:den>
+                          <m:r>
+                            <a:rPr lang="en-US" i="1">
+                              <a:latin typeface="Cambria Math" panose="02040503050406030204" pitchFamily="18" charset="0"/>
+                            </a:rPr>
+                            <m:t>(1+</m:t>
+                          </m:r>
+                          <m:sSup>
+                            <m:sSupPr>
+                              <m:ctrlPr>
+                                <a:rPr lang="en-US" i="1">
+                                  <a:latin typeface="Cambria Math" panose="02040503050406030204" pitchFamily="18" charset="0"/>
+                                </a:rPr>
+                              </m:ctrlPr>
+                            </m:sSupPr>
+                            <m:e>
+                              <m:r>
+                                <a:rPr lang="en-US" i="1">
+                                  <a:latin typeface="Cambria Math" panose="02040503050406030204" pitchFamily="18" charset="0"/>
+                                </a:rPr>
+                                <m:t>𝑒</m:t>
+                              </m:r>
+                            </m:e>
+                            <m:sup>
+                              <m:r>
+                                <a:rPr lang="en-US" i="1">
+                                  <a:latin typeface="Cambria Math" panose="02040503050406030204" pitchFamily="18" charset="0"/>
+                                </a:rPr>
+                                <m:t>−</m:t>
+                              </m:r>
+                              <m:r>
+                                <a:rPr lang="en-US" i="1">
+                                  <a:latin typeface="Cambria Math" panose="02040503050406030204" pitchFamily="18" charset="0"/>
+                                </a:rPr>
+                                <m:t>𝑥</m:t>
+                              </m:r>
+                            </m:sup>
+                          </m:sSup>
+                          <m:r>
+                            <a:rPr lang="en-US" i="1">
+                              <a:latin typeface="Cambria Math" panose="02040503050406030204" pitchFamily="18" charset="0"/>
+                            </a:rPr>
+                            <m:t>)</m:t>
+                          </m:r>
+                        </m:den>
+                      </m:f>
+                    </m:oMath>
+                  </m:oMathPara>
+                </a14:m>
+                <a:endParaRPr lang="en-US" dirty="0">
+                  <a:latin typeface="UT Sans" panose="00000500000000000000" pitchFamily="50" charset="0"/>
+                </a:endParaRPr>
+              </a:p>
+              <a:p>
+                <a:pPr algn="just"/>
+                <a:endParaRPr lang="en-US" dirty="0">
+                  <a:latin typeface="UT Sans" panose="00000500000000000000" pitchFamily="50" charset="0"/>
+                </a:endParaRPr>
+              </a:p>
+              <a:p>
+                <a:pPr marL="342900" lvl="0" indent="-342900" algn="just">
+                  <a:buBlip>
+                    <a:blip r:embed="rId3">
+                      <a:extLst/>
+                    </a:blip>
+                  </a:buBlip>
+                </a:pPr>
+                <a:endParaRPr kumimoji="0" lang="ro-RO" b="1" i="0" u="none" strike="noStrike" kern="1200" cap="none" spc="0" normalizeH="0" baseline="0" noProof="0" dirty="0">
+                  <a:ln>
+                    <a:noFill/>
+                  </a:ln>
+                  <a:solidFill>
+                    <a:prstClr val="black"/>
+                  </a:solidFill>
+                  <a:effectLst/>
+                  <a:uLnTx/>
+                  <a:uFillTx/>
+                  <a:latin typeface="UT Sans" panose="00000500000000000000" pitchFamily="50" charset="0"/>
+                </a:endParaRPr>
+              </a:p>
+            </p:txBody>
+          </p:sp>
+        </mc:Choice>
+        <mc:Fallback xmlns="">
+          <p:sp>
+            <p:nvSpPr>
+              <p:cNvPr id="7" name="TextBox 6">
+                <a:extLst>
+                  <a:ext uri="{FF2B5EF4-FFF2-40B4-BE49-F238E27FC236}">
+                    <a16:creationId xmlns:a16="http://schemas.microsoft.com/office/drawing/2014/main" id="{24679E17-82C8-44BA-85DF-3C2F34A5707F}"/>
+                  </a:ext>
+                </a:extLst>
+              </p:cNvPr>
+              <p:cNvSpPr txBox="1">
+                <a:spLocks noRot="1" noChangeAspect="1" noMove="1" noResize="1" noEditPoints="1" noAdjustHandles="1" noChangeArrowheads="1" noChangeShapeType="1" noTextEdit="1"/>
+              </p:cNvSpPr>
+              <p:nvPr/>
+            </p:nvSpPr>
+            <p:spPr>
+              <a:xfrm>
+                <a:off x="540114" y="1956179"/>
+                <a:ext cx="8064872" cy="3154903"/>
+              </a:xfrm>
+              <a:prstGeom prst="rect">
+                <a:avLst/>
+              </a:prstGeom>
+              <a:blipFill>
+                <a:blip r:embed="rId4"/>
+                <a:stretch>
+                  <a:fillRect t="-967"/>
+                </a:stretch>
+              </a:blipFill>
+            </p:spPr>
+            <p:txBody>
+              <a:bodyPr/>
+              <a:lstStyle/>
+              <a:p>
+                <a:r>
+                  <a:rPr lang="en-US">
+                    <a:noFill/>
+                  </a:rPr>
+                  <a:t> </a:t>
+                </a:r>
+              </a:p>
+            </p:txBody>
+          </p:sp>
+        </mc:Fallback>
+      </mc:AlternateContent>
+      <p:sp>
+        <p:nvSpPr>
+          <p:cNvPr id="9" name="Title 1">
+            <a:extLst>
+              <a:ext uri="{FF2B5EF4-FFF2-40B4-BE49-F238E27FC236}">
+                <a16:creationId xmlns:a16="http://schemas.microsoft.com/office/drawing/2014/main" id="{8377B4DA-5662-4000-8BC4-BF0974B1F20D}"/>
+              </a:ext>
+            </a:extLst>
+          </p:cNvPr>
+          <p:cNvSpPr>
+            <a:spLocks noGrp="1"/>
+          </p:cNvSpPr>
+          <p:nvPr>
+            <p:ph type="title"/>
+          </p:nvPr>
+        </p:nvSpPr>
+        <p:spPr>
+          <a:xfrm>
+            <a:off x="628650" y="365126"/>
+            <a:ext cx="7886700" cy="1325563"/>
+          </a:xfrm>
+        </p:spPr>
+        <p:txBody>
+          <a:bodyPr/>
+          <a:lstStyle/>
+          <a:p>
+            <a:pPr algn="ctr"/>
+            <a:r>
+              <a:rPr lang="en-US" b="1" dirty="0" err="1"/>
+              <a:t>Metoda</a:t>
+            </a:r>
+            <a:r>
+              <a:rPr lang="en-US" b="1" dirty="0"/>
+              <a:t> Gradient Descent</a:t>
+            </a:r>
+          </a:p>
+        </p:txBody>
+      </p:sp>
+      <p:pic>
+        <p:nvPicPr>
+          <p:cNvPr id="3" name="Picture 2">
+            <a:extLst>
+              <a:ext uri="{FF2B5EF4-FFF2-40B4-BE49-F238E27FC236}">
+                <a16:creationId xmlns:a16="http://schemas.microsoft.com/office/drawing/2014/main" id="{74631FFF-C1D5-44E6-A976-FE9D9538859A}"/>
+              </a:ext>
+            </a:extLst>
+          </p:cNvPr>
+          <p:cNvPicPr>
+            <a:picLocks noChangeAspect="1"/>
+          </p:cNvPicPr>
+          <p:nvPr/>
+        </p:nvPicPr>
+        <p:blipFill>
+          <a:blip r:embed="rId5"/>
+          <a:stretch>
+            <a:fillRect/>
+          </a:stretch>
+        </p:blipFill>
+        <p:spPr>
+          <a:xfrm>
+            <a:off x="2702725" y="2528900"/>
+            <a:ext cx="3738550" cy="577092"/>
+          </a:xfrm>
+          <a:prstGeom prst="rect">
+            <a:avLst/>
+          </a:prstGeom>
+        </p:spPr>
+      </p:pic>
+    </p:spTree>
+    <p:extLst>
+      <p:ext uri="{BB962C8B-B14F-4D97-AF65-F5344CB8AC3E}">
+        <p14:creationId xmlns:p14="http://schemas.microsoft.com/office/powerpoint/2010/main" val="2411825143"/>
+      </p:ext>
+    </p:extLst>
+  </p:cSld>
+  <p:clrMapOvr>
+    <a:masterClrMapping/>
+  </p:clrMapOvr>
+</p:sld>
+</file>
+
+<file path=ppt/slides/slide7.xml><?xml version="1.0" encoding="utf-8"?>
+<p:sld xmlns:a="http://schemas.openxmlformats.org/drawingml/2006/main" xmlns:r="http://schemas.openxmlformats.org/officeDocument/2006/relationships" xmlns:p="http://schemas.openxmlformats.org/presentationml/2006/main">
+  <p:cSld>
+    <p:spTree>
+      <p:nvGrpSpPr>
+        <p:cNvPr id="1" name=""/>
+        <p:cNvGrpSpPr/>
+        <p:nvPr/>
+      </p:nvGrpSpPr>
+      <p:grpSpPr>
+        <a:xfrm>
+          <a:off x="0" y="0"/>
+          <a:ext cx="0" cy="0"/>
+          <a:chOff x="0" y="0"/>
+          <a:chExt cx="0" cy="0"/>
+        </a:xfrm>
+      </p:grpSpPr>
+      <p:grpSp>
+        <p:nvGrpSpPr>
+          <p:cNvPr id="4" name="Group 3"/>
+          <p:cNvGrpSpPr/>
+          <p:nvPr/>
+        </p:nvGrpSpPr>
+        <p:grpSpPr>
+          <a:xfrm>
+            <a:off x="8460432" y="6237312"/>
+            <a:ext cx="216000" cy="216000"/>
+            <a:chOff x="2772000" y="1932221"/>
+            <a:chExt cx="2340000" cy="2340000"/>
+          </a:xfrm>
+        </p:grpSpPr>
+        <p:sp>
+          <p:nvSpPr>
+            <p:cNvPr id="5" name="Rectangle 4"/>
+            <p:cNvSpPr/>
+            <p:nvPr/>
+          </p:nvSpPr>
+          <p:spPr>
+            <a:xfrm>
+              <a:off x="2772000" y="1932221"/>
+              <a:ext cx="2340000" cy="2340000"/>
+            </a:xfrm>
+            <a:prstGeom prst="rect">
+              <a:avLst/>
+            </a:prstGeom>
+            <a:solidFill>
+              <a:schemeClr val="bg1">
+                <a:lumMod val="75000"/>
+              </a:schemeClr>
+            </a:solidFill>
+            <a:ln>
+              <a:noFill/>
+            </a:ln>
+          </p:spPr>
+          <p:style>
+            <a:lnRef idx="2">
+              <a:schemeClr val="accent1">
+                <a:shade val="50000"/>
+              </a:schemeClr>
+            </a:lnRef>
+            <a:fillRef idx="1">
+              <a:schemeClr val="accent1"/>
+            </a:fillRef>
+            <a:effectRef idx="0">
+              <a:schemeClr val="accent1"/>
+            </a:effectRef>
+            <a:fontRef idx="minor">
+              <a:schemeClr val="lt1"/>
+            </a:fontRef>
+          </p:style>
+          <p:txBody>
+            <a:bodyPr rtlCol="0" anchor="ctr"/>
+            <a:lstStyle/>
+            <a:p>
+              <a:pPr marL="0" marR="0" lvl="0" indent="0" algn="ctr" defTabSz="914400" rtl="0" eaLnBrk="1" fontAlgn="auto" latinLnBrk="0" hangingPunct="1">
+                <a:lnSpc>
+                  <a:spcPct val="100000"/>
+                </a:lnSpc>
+                <a:spcBef>
+                  <a:spcPts val="0"/>
+                </a:spcBef>
+                <a:spcAft>
+                  <a:spcPts val="0"/>
+                </a:spcAft>
+                <a:buClrTx/>
+                <a:buSzTx/>
+                <a:buFontTx/>
+                <a:buNone/>
+                <a:tabLst/>
+                <a:defRPr/>
+              </a:pPr>
+              <a:endParaRPr kumimoji="0" lang="en-US" sz="1800" b="0" i="0" u="none" strike="noStrike" kern="1200" cap="none" spc="0" normalizeH="0" baseline="0" noProof="0">
+                <a:ln>
+                  <a:solidFill>
+                    <a:srgbClr val="E7E6E6">
+                      <a:lumMod val="75000"/>
+                    </a:srgbClr>
+                  </a:solidFill>
+                </a:ln>
+                <a:solidFill>
+                  <a:prstClr val="black"/>
+                </a:solidFill>
+                <a:effectLst/>
+                <a:uLnTx/>
+                <a:uFillTx/>
+                <a:latin typeface="Calibri" panose="020F0502020204030204"/>
+                <a:ea typeface="+mn-ea"/>
+                <a:cs typeface="+mn-cs"/>
+              </a:endParaRPr>
+            </a:p>
+          </p:txBody>
+        </p:sp>
+        <p:sp>
+          <p:nvSpPr>
+            <p:cNvPr id="6" name="Rectangle 5"/>
+            <p:cNvSpPr/>
+            <p:nvPr/>
+          </p:nvSpPr>
+          <p:spPr>
+            <a:xfrm>
+              <a:off x="3546000" y="2706221"/>
+              <a:ext cx="792000" cy="792000"/>
+            </a:xfrm>
+            <a:prstGeom prst="rect">
+              <a:avLst/>
+            </a:prstGeom>
+            <a:solidFill>
+              <a:schemeClr val="bg1"/>
+            </a:solidFill>
+            <a:ln>
+              <a:noFill/>
+            </a:ln>
+          </p:spPr>
+          <p:style>
+            <a:lnRef idx="2">
+              <a:schemeClr val="accent1">
+                <a:shade val="50000"/>
+              </a:schemeClr>
+            </a:lnRef>
+            <a:fillRef idx="1">
+              <a:schemeClr val="accent1"/>
+            </a:fillRef>
+            <a:effectRef idx="0">
+              <a:schemeClr val="accent1"/>
+            </a:effectRef>
+            <a:fontRef idx="minor">
+              <a:schemeClr val="lt1"/>
+            </a:fontRef>
+          </p:style>
+          <p:txBody>
+            <a:bodyPr rtlCol="0" anchor="ctr"/>
+            <a:lstStyle/>
+            <a:p>
+              <a:pPr marL="0" marR="0" lvl="0" indent="0" algn="ctr" defTabSz="914400" rtl="0" eaLnBrk="1" fontAlgn="auto" latinLnBrk="0" hangingPunct="1">
+                <a:lnSpc>
+                  <a:spcPct val="100000"/>
+                </a:lnSpc>
+                <a:spcBef>
+                  <a:spcPts val="0"/>
+                </a:spcBef>
+                <a:spcAft>
+                  <a:spcPts val="0"/>
+                </a:spcAft>
+                <a:buClrTx/>
+                <a:buSzTx/>
+                <a:buFontTx/>
+                <a:buNone/>
+                <a:tabLst/>
+                <a:defRPr/>
+              </a:pPr>
+              <a:endParaRPr kumimoji="0" lang="en-US" sz="1800" b="0" i="0" u="none" strike="noStrike" kern="1200" cap="none" spc="0" normalizeH="0" baseline="0" noProof="0">
+                <a:ln>
+                  <a:solidFill>
+                    <a:srgbClr val="E7E6E6">
+                      <a:lumMod val="75000"/>
+                    </a:srgbClr>
+                  </a:solidFill>
+                </a:ln>
+                <a:solidFill>
+                  <a:prstClr val="black"/>
+                </a:solidFill>
+                <a:effectLst/>
+                <a:uLnTx/>
+                <a:uFillTx/>
+                <a:latin typeface="Calibri" panose="020F0502020204030204"/>
+                <a:ea typeface="+mn-ea"/>
+                <a:cs typeface="+mn-cs"/>
+              </a:endParaRPr>
+            </a:p>
+          </p:txBody>
+        </p:sp>
+      </p:grpSp>
+      <p:pic>
+        <p:nvPicPr>
+          <p:cNvPr id="8" name="Picture 7"/>
+          <p:cNvPicPr>
+            <a:picLocks noChangeAspect="1"/>
+          </p:cNvPicPr>
+          <p:nvPr/>
+        </p:nvPicPr>
+        <p:blipFill>
+          <a:blip r:embed="rId2" cstate="print">
+            <a:extLst>
+              <a:ext uri="{28A0092B-C50C-407E-A947-70E740481C1C}">
+                <a14:useLocalDpi xmlns:a14="http://schemas.microsoft.com/office/drawing/2010/main" val="0"/>
+              </a:ext>
+            </a:extLst>
+          </a:blip>
+          <a:stretch>
+            <a:fillRect/>
+          </a:stretch>
+        </p:blipFill>
+        <p:spPr>
+          <a:xfrm>
+            <a:off x="359532" y="377509"/>
+            <a:ext cx="1188132" cy="459203"/>
+          </a:xfrm>
+          <a:prstGeom prst="rect">
+            <a:avLst/>
+          </a:prstGeom>
+        </p:spPr>
+      </p:pic>
+      <mc:AlternateContent xmlns:mc="http://schemas.openxmlformats.org/markup-compatibility/2006">
+        <mc:Choice xmlns:a14="http://schemas.microsoft.com/office/drawing/2010/main" Requires="a14">
+          <p:sp>
+            <p:nvSpPr>
+              <p:cNvPr id="7" name="TextBox 6">
+                <a:extLst>
+                  <a:ext uri="{FF2B5EF4-FFF2-40B4-BE49-F238E27FC236}">
+                    <a16:creationId xmlns:a16="http://schemas.microsoft.com/office/drawing/2014/main" id="{24679E17-82C8-44BA-85DF-3C2F34A5707F}"/>
+                  </a:ext>
+                </a:extLst>
+              </p:cNvPr>
+              <p:cNvSpPr txBox="1"/>
+              <p:nvPr/>
+            </p:nvSpPr>
+            <p:spPr>
+              <a:xfrm>
+                <a:off x="540114" y="1956179"/>
+                <a:ext cx="8064872" cy="4462760"/>
+              </a:xfrm>
+              <a:prstGeom prst="rect">
+                <a:avLst/>
+              </a:prstGeom>
+              <a:noFill/>
+            </p:spPr>
+            <p:txBody>
+              <a:bodyPr wrap="square" rtlCol="0">
+                <a:spAutoFit/>
+              </a:bodyPr>
+              <a:lstStyle/>
+              <a:p>
+                <a:pPr marL="342900" lvl="0" indent="-342900" algn="just">
+                  <a:buBlip>
+                    <a:blip r:embed="rId3">
+                      <a:extLst/>
+                    </a:blip>
+                  </a:buBlip>
+                </a:pPr>
+                <a:r>
+                  <a:rPr lang="en-US" dirty="0" err="1">
+                    <a:latin typeface="UT Sans" panose="00000500000000000000" pitchFamily="50" charset="0"/>
+                  </a:rPr>
+                  <a:t>Functia</a:t>
+                </a:r>
+                <a:r>
+                  <a:rPr lang="en-US" dirty="0">
+                    <a:latin typeface="UT Sans" panose="00000500000000000000" pitchFamily="50" charset="0"/>
+                  </a:rPr>
+                  <a:t> de cost:</a:t>
+                </a:r>
+              </a:p>
+              <a:p>
+                <a:pPr marL="342900" indent="-342900" algn="just">
+                  <a:buBlip>
+                    <a:blip r:embed="rId3">
+                      <a:extLst/>
+                    </a:blip>
+                  </a:buBlip>
+                </a:pPr>
+                <a:endParaRPr lang="en-US" b="1" dirty="0">
+                  <a:latin typeface="UT Sans" panose="00000500000000000000" pitchFamily="50" charset="0"/>
+                </a:endParaRPr>
+              </a:p>
+              <a:p>
+                <a:pPr marL="342900" indent="-342900" algn="just">
+                  <a:buBlip>
+                    <a:blip r:embed="rId3">
+                      <a:extLst/>
+                    </a:blip>
+                  </a:buBlip>
+                </a:pPr>
+                <a:endParaRPr lang="en-US" b="1" dirty="0">
+                  <a:latin typeface="UT Sans" panose="00000500000000000000" pitchFamily="50" charset="0"/>
+                </a:endParaRPr>
+              </a:p>
+              <a:p>
+                <a:pPr marL="342900" indent="-342900" algn="just">
+                  <a:buBlip>
+                    <a:blip r:embed="rId3">
+                      <a:extLst/>
+                    </a:blip>
+                  </a:buBlip>
+                </a:pPr>
+                <a:endParaRPr lang="en-US" b="1" dirty="0">
+                  <a:latin typeface="UT Sans" panose="00000500000000000000" pitchFamily="50" charset="0"/>
+                </a:endParaRPr>
+              </a:p>
+              <a:p>
+                <a:pPr marL="342900" indent="-342900" algn="just">
+                  <a:buBlip>
+                    <a:blip r:embed="rId3">
+                      <a:extLst/>
+                    </a:blip>
+                  </a:buBlip>
+                </a:pPr>
+                <a:endParaRPr lang="en-US" b="1" dirty="0">
+                  <a:latin typeface="UT Sans" panose="00000500000000000000" pitchFamily="50" charset="0"/>
+                </a:endParaRPr>
+              </a:p>
+              <a:p>
+                <a:pPr algn="just"/>
+                <a:endParaRPr lang="en-US" dirty="0">
+                  <a:latin typeface="UT Sans" panose="00000500000000000000" pitchFamily="50" charset="0"/>
+                </a:endParaRPr>
+              </a:p>
+              <a:p>
+                <a:pPr marL="342900" indent="-342900" algn="just">
+                  <a:buBlip>
+                    <a:blip r:embed="rId3">
+                      <a:extLst/>
+                    </a:blip>
+                  </a:buBlip>
+                </a:pPr>
+                <a:r>
+                  <a:rPr lang="en-US" dirty="0" err="1">
+                    <a:latin typeface="UT Sans" panose="00000500000000000000" pitchFamily="50" charset="0"/>
+                  </a:rPr>
+                  <a:t>Coeficientul</a:t>
+                </a:r>
+                <a:r>
+                  <a:rPr lang="en-US" dirty="0">
+                    <a:latin typeface="UT Sans" panose="00000500000000000000" pitchFamily="50" charset="0"/>
+                  </a:rPr>
+                  <a:t> de </a:t>
+                </a:r>
+                <a:r>
+                  <a:rPr lang="en-US" dirty="0" err="1">
+                    <a:latin typeface="UT Sans" panose="00000500000000000000" pitchFamily="50" charset="0"/>
+                  </a:rPr>
+                  <a:t>corelatie</a:t>
+                </a:r>
+                <a:endParaRPr lang="en-US" dirty="0">
+                  <a:latin typeface="UT Sans" panose="00000500000000000000" pitchFamily="50" charset="0"/>
+                </a:endParaRPr>
+              </a:p>
+              <a:p>
+                <a:pPr algn="just"/>
+                <a:endParaRPr lang="en-US" dirty="0">
+                  <a:latin typeface="UT Sans" panose="00000500000000000000" pitchFamily="50" charset="0"/>
+                </a:endParaRPr>
+              </a:p>
+              <a:p>
+                <a:pPr marL="342900" indent="-342900" algn="just">
+                  <a:buBlip>
+                    <a:blip r:embed="rId3">
+                      <a:extLst/>
+                    </a:blip>
+                  </a:buBlip>
+                </a:pPr>
+                <a:endParaRPr lang="en-US" dirty="0">
+                  <a:latin typeface="UT Sans" panose="00000500000000000000" pitchFamily="50" charset="0"/>
+                </a:endParaRPr>
+              </a:p>
+              <a:p>
+                <a:pPr marL="342900" indent="-342900" algn="just">
+                  <a:buBlip>
+                    <a:blip r:embed="rId3">
+                      <a:extLst/>
+                    </a:blip>
+                  </a:buBlip>
+                </a:pPr>
+                <a:r>
+                  <a:rPr lang="en-US" dirty="0" err="1">
+                    <a:latin typeface="UT Sans" panose="00000500000000000000" pitchFamily="50" charset="0"/>
+                  </a:rPr>
+                  <a:t>Aflarea</a:t>
+                </a:r>
+                <a:r>
+                  <a:rPr lang="en-US" dirty="0">
+                    <a:latin typeface="UT Sans" panose="00000500000000000000" pitchFamily="50" charset="0"/>
+                  </a:rPr>
+                  <a:t> </a:t>
+                </a:r>
+                <a:r>
+                  <a:rPr lang="en-US" dirty="0" err="1">
+                    <a:latin typeface="UT Sans" panose="00000500000000000000" pitchFamily="50" charset="0"/>
+                  </a:rPr>
+                  <a:t>surselor</a:t>
+                </a:r>
+                <a:r>
+                  <a:rPr lang="en-US" dirty="0">
+                    <a:latin typeface="UT Sans" panose="00000500000000000000" pitchFamily="50" charset="0"/>
+                  </a:rPr>
+                  <a:t> </a:t>
+                </a:r>
+                <a:r>
+                  <a:rPr lang="en-US" dirty="0" err="1">
+                    <a:latin typeface="UT Sans" panose="00000500000000000000" pitchFamily="50" charset="0"/>
+                  </a:rPr>
+                  <a:t>initiale</a:t>
+                </a:r>
+                <a:r>
+                  <a:rPr lang="en-US" dirty="0">
+                    <a:latin typeface="UT Sans" panose="00000500000000000000" pitchFamily="50" charset="0"/>
+                  </a:rPr>
+                  <a:t>:</a:t>
+                </a:r>
+              </a:p>
+              <a:p>
+                <a:pPr algn="just"/>
+                <a14:m>
+                  <m:oMathPara xmlns:m="http://schemas.openxmlformats.org/officeDocument/2006/math">
+                    <m:oMathParaPr>
+                      <m:jc m:val="center"/>
+                    </m:oMathParaPr>
+                    <m:oMath xmlns:m="http://schemas.openxmlformats.org/officeDocument/2006/math">
+                      <m:r>
+                        <a:rPr lang="en-US" sz="3200" i="1">
+                          <a:latin typeface="Cambria Math" panose="02040503050406030204" pitchFamily="18" charset="0"/>
+                        </a:rPr>
+                        <m:t>𝑠</m:t>
+                      </m:r>
+                      <m:r>
+                        <a:rPr lang="en-US" sz="3200" i="1">
+                          <a:latin typeface="Cambria Math" panose="02040503050406030204" pitchFamily="18" charset="0"/>
+                        </a:rPr>
+                        <m:t>=</m:t>
+                      </m:r>
+                      <m:r>
+                        <a:rPr lang="en-US" sz="3200" i="1">
+                          <a:latin typeface="Cambria Math" panose="02040503050406030204" pitchFamily="18" charset="0"/>
+                        </a:rPr>
+                        <m:t>𝑊𝑥</m:t>
+                      </m:r>
+                    </m:oMath>
+                  </m:oMathPara>
+                </a14:m>
+                <a:endParaRPr lang="en-US" dirty="0"/>
+              </a:p>
+              <a:p>
+                <a:pPr marL="2628900" lvl="5" indent="-342900" algn="just">
+                  <a:buBlip>
+                    <a:blip r:embed="rId3">
+                      <a:extLst/>
+                    </a:blip>
+                  </a:buBlip>
+                </a:pPr>
+                <a:endParaRPr lang="en-US" dirty="0">
+                  <a:latin typeface="UT Sans" panose="00000500000000000000" pitchFamily="50" charset="0"/>
+                </a:endParaRPr>
+              </a:p>
+              <a:p>
+                <a:pPr algn="just"/>
+                <a:endParaRPr lang="en-US" dirty="0">
+                  <a:latin typeface="UT Sans" panose="00000500000000000000" pitchFamily="50" charset="0"/>
+                </a:endParaRPr>
+              </a:p>
+              <a:p>
+                <a:pPr algn="just"/>
+                <a:endParaRPr lang="en-US" dirty="0">
+                  <a:latin typeface="UT Sans" panose="00000500000000000000" pitchFamily="50" charset="0"/>
+                </a:endParaRPr>
+              </a:p>
+              <a:p>
+                <a:pPr marL="342900" lvl="0" indent="-342900" algn="just">
+                  <a:buBlip>
+                    <a:blip r:embed="rId3">
+                      <a:extLst/>
+                    </a:blip>
+                  </a:buBlip>
+                </a:pPr>
+                <a:endParaRPr kumimoji="0" lang="ro-RO" b="1" i="0" u="none" strike="noStrike" kern="1200" cap="none" spc="0" normalizeH="0" baseline="0" noProof="0" dirty="0">
+                  <a:ln>
+                    <a:noFill/>
+                  </a:ln>
+                  <a:solidFill>
+                    <a:prstClr val="black"/>
+                  </a:solidFill>
+                  <a:effectLst/>
+                  <a:uLnTx/>
+                  <a:uFillTx/>
+                  <a:latin typeface="UT Sans" panose="00000500000000000000" pitchFamily="50" charset="0"/>
+                </a:endParaRPr>
+              </a:p>
+            </p:txBody>
+          </p:sp>
+        </mc:Choice>
+        <mc:Fallback>
+          <p:sp>
+            <p:nvSpPr>
+              <p:cNvPr id="7" name="TextBox 6">
+                <a:extLst>
+                  <a:ext uri="{FF2B5EF4-FFF2-40B4-BE49-F238E27FC236}">
+                    <a16:creationId xmlns:a16="http://schemas.microsoft.com/office/drawing/2014/main" id="{24679E17-82C8-44BA-85DF-3C2F34A5707F}"/>
+                  </a:ext>
+                </a:extLst>
+              </p:cNvPr>
+              <p:cNvSpPr txBox="1">
+                <a:spLocks noRot="1" noChangeAspect="1" noMove="1" noResize="1" noEditPoints="1" noAdjustHandles="1" noChangeArrowheads="1" noChangeShapeType="1" noTextEdit="1"/>
+              </p:cNvSpPr>
+              <p:nvPr/>
+            </p:nvSpPr>
+            <p:spPr>
+              <a:xfrm>
+                <a:off x="540114" y="1956179"/>
+                <a:ext cx="8064872" cy="4462760"/>
+              </a:xfrm>
+              <a:prstGeom prst="rect">
+                <a:avLst/>
+              </a:prstGeom>
+              <a:blipFill>
+                <a:blip r:embed="rId4"/>
+                <a:stretch>
+                  <a:fillRect t="-683"/>
+                </a:stretch>
+              </a:blipFill>
+            </p:spPr>
+            <p:txBody>
+              <a:bodyPr/>
+              <a:lstStyle/>
+              <a:p>
+                <a:r>
+                  <a:rPr lang="en-US">
+                    <a:noFill/>
+                  </a:rPr>
+                  <a:t> </a:t>
+                </a:r>
+              </a:p>
+            </p:txBody>
+          </p:sp>
+        </mc:Fallback>
+      </mc:AlternateContent>
+      <p:sp>
+        <p:nvSpPr>
+          <p:cNvPr id="9" name="Title 1">
+            <a:extLst>
+              <a:ext uri="{FF2B5EF4-FFF2-40B4-BE49-F238E27FC236}">
+                <a16:creationId xmlns:a16="http://schemas.microsoft.com/office/drawing/2014/main" id="{8377B4DA-5662-4000-8BC4-BF0974B1F20D}"/>
+              </a:ext>
+            </a:extLst>
+          </p:cNvPr>
+          <p:cNvSpPr>
+            <a:spLocks noGrp="1"/>
+          </p:cNvSpPr>
+          <p:nvPr>
+            <p:ph type="title"/>
+          </p:nvPr>
+        </p:nvSpPr>
+        <p:spPr>
+          <a:xfrm>
+            <a:off x="628650" y="365126"/>
+            <a:ext cx="7886700" cy="1325563"/>
+          </a:xfrm>
+        </p:spPr>
+        <p:txBody>
+          <a:bodyPr/>
+          <a:lstStyle/>
+          <a:p>
+            <a:pPr algn="ctr"/>
+            <a:r>
+              <a:rPr lang="en-US" b="1" dirty="0" err="1"/>
+              <a:t>Oprirea</a:t>
+            </a:r>
+            <a:r>
+              <a:rPr lang="en-US" b="1" dirty="0"/>
+              <a:t> </a:t>
+            </a:r>
+            <a:r>
+              <a:rPr lang="en-US" b="1" dirty="0" err="1"/>
+              <a:t>iterarii</a:t>
+            </a:r>
+            <a:r>
+              <a:rPr lang="en-US" b="1" dirty="0"/>
+              <a:t> </a:t>
+            </a:r>
+            <a:r>
+              <a:rPr lang="en-US" b="1" dirty="0" err="1"/>
+              <a:t>si</a:t>
+            </a:r>
+            <a:r>
+              <a:rPr lang="en-US" b="1" dirty="0"/>
+              <a:t> </a:t>
+            </a:r>
+            <a:r>
+              <a:rPr lang="en-US" b="1" dirty="0" err="1"/>
+              <a:t>finalul</a:t>
+            </a:r>
+            <a:r>
+              <a:rPr lang="en-US" b="1" dirty="0"/>
+              <a:t> </a:t>
+            </a:r>
+            <a:r>
+              <a:rPr lang="en-US" b="1" dirty="0" err="1"/>
+              <a:t>algoritmului</a:t>
+            </a:r>
+            <a:endParaRPr lang="en-US" b="1" dirty="0"/>
+          </a:p>
+        </p:txBody>
+      </p:sp>
+      <p:pic>
+        <p:nvPicPr>
+          <p:cNvPr id="10" name="Picture 9">
+            <a:extLst>
+              <a:ext uri="{FF2B5EF4-FFF2-40B4-BE49-F238E27FC236}">
+                <a16:creationId xmlns:a16="http://schemas.microsoft.com/office/drawing/2014/main" id="{5A3CC7FF-E450-4238-8169-A65CA7ED7F37}"/>
+              </a:ext>
+            </a:extLst>
+          </p:cNvPr>
+          <p:cNvPicPr>
+            <a:picLocks noChangeAspect="1"/>
+          </p:cNvPicPr>
+          <p:nvPr/>
+        </p:nvPicPr>
+        <p:blipFill>
+          <a:blip r:embed="rId5"/>
+          <a:stretch>
+            <a:fillRect/>
+          </a:stretch>
+        </p:blipFill>
+        <p:spPr>
+          <a:xfrm>
+            <a:off x="2724150" y="2586318"/>
+            <a:ext cx="3695700" cy="447675"/>
+          </a:xfrm>
+          <a:prstGeom prst="rect">
+            <a:avLst/>
+          </a:prstGeom>
+        </p:spPr>
+      </p:pic>
+    </p:spTree>
+    <p:extLst>
+      <p:ext uri="{BB962C8B-B14F-4D97-AF65-F5344CB8AC3E}">
+        <p14:creationId xmlns:p14="http://schemas.microsoft.com/office/powerpoint/2010/main" val="1507724137"/>
+      </p:ext>
+    </p:extLst>
+  </p:cSld>
+  <p:clrMapOvr>
+    <a:masterClrMapping/>
+  </p:clrMapOvr>
+</p:sld>
+</file>
+
+<file path=ppt/slides/slide8.xml><?xml version="1.0" encoding="utf-8"?>
+<p:sld xmlns:a="http://schemas.openxmlformats.org/drawingml/2006/main" xmlns:r="http://schemas.openxmlformats.org/officeDocument/2006/relationships" xmlns:p="http://schemas.openxmlformats.org/presentationml/2006/main">
+  <p:cSld>
+    <p:spTree>
+      <p:nvGrpSpPr>
+        <p:cNvPr id="1" name=""/>
+        <p:cNvGrpSpPr/>
+        <p:nvPr/>
+      </p:nvGrpSpPr>
+      <p:grpSpPr>
+        <a:xfrm>
+          <a:off x="0" y="0"/>
+          <a:ext cx="0" cy="0"/>
+          <a:chOff x="0" y="0"/>
+          <a:chExt cx="0" cy="0"/>
+        </a:xfrm>
+      </p:grpSpPr>
+      <p:sp>
+        <p:nvSpPr>
+          <p:cNvPr id="2" name="Title 1">
+            <a:extLst>
+              <a:ext uri="{FF2B5EF4-FFF2-40B4-BE49-F238E27FC236}">
+                <a16:creationId xmlns:a16="http://schemas.microsoft.com/office/drawing/2014/main" id="{D30A3120-E47C-411E-9B45-3D4088CEA603}"/>
+              </a:ext>
+            </a:extLst>
+          </p:cNvPr>
+          <p:cNvSpPr>
+            <a:spLocks noGrp="1"/>
+          </p:cNvSpPr>
+          <p:nvPr>
+            <p:ph type="title"/>
+          </p:nvPr>
+        </p:nvSpPr>
+        <p:spPr>
+          <a:xfrm>
+            <a:off x="628650" y="2766218"/>
+            <a:ext cx="7886700" cy="1325563"/>
+          </a:xfrm>
+        </p:spPr>
+        <p:txBody>
+          <a:bodyPr>
+            <a:normAutofit/>
+          </a:bodyPr>
+          <a:lstStyle/>
+          <a:p>
+            <a:pPr algn="ctr"/>
+            <a:r>
+              <a:rPr lang="en-US" sz="4400" b="1" dirty="0" err="1">
+                <a:latin typeface="UT Sans" panose="00000500000000000000" pitchFamily="50" charset="0"/>
+              </a:rPr>
+              <a:t>Exemple</a:t>
+            </a:r>
+            <a:endParaRPr lang="en-US" sz="4400" b="1" dirty="0">
+              <a:latin typeface="UT Sans" panose="00000500000000000000" pitchFamily="50" charset="0"/>
+            </a:endParaRPr>
+          </a:p>
+        </p:txBody>
+      </p:sp>
+    </p:spTree>
+    <p:extLst>
+      <p:ext uri="{BB962C8B-B14F-4D97-AF65-F5344CB8AC3E}">
+        <p14:creationId xmlns:p14="http://schemas.microsoft.com/office/powerpoint/2010/main" val="1788135936"/>
+      </p:ext>
+    </p:extLst>
+  </p:cSld>
+  <p:clrMapOvr>
+    <a:masterClrMapping/>
+  </p:clrMapOvr>
+</p:sld>
+</file>
+
+<file path=ppt/slides/slide9.xml><?xml version="1.0" encoding="utf-8"?>
+<p:sld xmlns:a="http://schemas.openxmlformats.org/drawingml/2006/main" xmlns:r="http://schemas.openxmlformats.org/officeDocument/2006/relationships" xmlns:p="http://schemas.openxmlformats.org/presentationml/2006/main">
+  <p:cSld>
+    <p:spTree>
+      <p:nvGrpSpPr>
+        <p:cNvPr id="1" name=""/>
+        <p:cNvGrpSpPr/>
+        <p:nvPr/>
+      </p:nvGrpSpPr>
+      <p:grpSpPr>
+        <a:xfrm>
+          <a:off x="0" y="0"/>
+          <a:ext cx="0" cy="0"/>
+          <a:chOff x="0" y="0"/>
+          <a:chExt cx="0" cy="0"/>
+        </a:xfrm>
+      </p:grpSpPr>
+      <p:sp>
+        <p:nvSpPr>
+          <p:cNvPr id="2" name="Title 1">
+            <a:extLst>
+              <a:ext uri="{FF2B5EF4-FFF2-40B4-BE49-F238E27FC236}">
+                <a16:creationId xmlns:a16="http://schemas.microsoft.com/office/drawing/2014/main" id="{D30A3120-E47C-411E-9B45-3D4088CEA603}"/>
+              </a:ext>
+            </a:extLst>
+          </p:cNvPr>
+          <p:cNvSpPr>
+            <a:spLocks noGrp="1"/>
+          </p:cNvSpPr>
+          <p:nvPr>
+            <p:ph type="title"/>
+          </p:nvPr>
+        </p:nvSpPr>
+        <p:spPr>
+          <a:xfrm>
+            <a:off x="628650" y="2766218"/>
+            <a:ext cx="7886700" cy="1325563"/>
+          </a:xfrm>
+        </p:spPr>
+        <p:txBody>
+          <a:bodyPr>
+            <a:normAutofit/>
+          </a:bodyPr>
+          <a:lstStyle/>
+          <a:p>
+            <a:pPr algn="ctr"/>
+            <a:r>
+              <a:rPr lang="en-US" sz="4400" b="1" dirty="0" err="1">
+                <a:latin typeface="UT Sans" panose="00000500000000000000" pitchFamily="50" charset="0"/>
+              </a:rPr>
+              <a:t>Concluzii</a:t>
+            </a:r>
+            <a:endParaRPr lang="en-US" sz="4400" b="1" dirty="0">
+              <a:latin typeface="UT Sans" panose="00000500000000000000" pitchFamily="50" charset="0"/>
+            </a:endParaRPr>
+          </a:p>
+        </p:txBody>
+      </p:sp>
+    </p:spTree>
+    <p:extLst>
+      <p:ext uri="{BB962C8B-B14F-4D97-AF65-F5344CB8AC3E}">
+        <p14:creationId xmlns:p14="http://schemas.microsoft.com/office/powerpoint/2010/main" val="2109704387"/>
       </p:ext>
     </p:extLst>
   </p:cSld>
